--- a/docs/Sinkronisasi040824.pptx
+++ b/docs/Sinkronisasi040824.pptx
@@ -139,6 +139,753 @@
 </file>
 
 <file path=ppt/diagrams/colors1.xml><?xml version="1.0" encoding="utf-8"?>
+<dgm:colorsDef xmlns:dgm="http://schemas.openxmlformats.org/drawingml/2006/diagram" xmlns:a="http://schemas.openxmlformats.org/drawingml/2006/main" uniqueId="urn:microsoft.com/office/officeart/2005/8/colors/accent1_2">
+  <dgm:title val=""/>
+  <dgm:desc val=""/>
+  <dgm:catLst>
+    <dgm:cat type="accent1" pri="11200"/>
+  </dgm:catLst>
+  <dgm:styleLbl name="node0">
+    <dgm:fillClrLst meth="repeat">
+      <a:schemeClr val="accent1"/>
+    </dgm:fillClrLst>
+    <dgm:linClrLst meth="repeat">
+      <a:schemeClr val="lt1"/>
+    </dgm:linClrLst>
+    <dgm:effectClrLst/>
+    <dgm:txLinClrLst/>
+    <dgm:txFillClrLst/>
+    <dgm:txEffectClrLst/>
+  </dgm:styleLbl>
+  <dgm:styleLbl name="alignNode1">
+    <dgm:fillClrLst meth="repeat">
+      <a:schemeClr val="accent1"/>
+    </dgm:fillClrLst>
+    <dgm:linClrLst meth="repeat">
+      <a:schemeClr val="accent1"/>
+    </dgm:linClrLst>
+    <dgm:effectClrLst/>
+    <dgm:txLinClrLst/>
+    <dgm:txFillClrLst/>
+    <dgm:txEffectClrLst/>
+  </dgm:styleLbl>
+  <dgm:styleLbl name="node1">
+    <dgm:fillClrLst meth="repeat">
+      <a:schemeClr val="accent1"/>
+    </dgm:fillClrLst>
+    <dgm:linClrLst meth="repeat">
+      <a:schemeClr val="lt1"/>
+    </dgm:linClrLst>
+    <dgm:effectClrLst/>
+    <dgm:txLinClrLst/>
+    <dgm:txFillClrLst/>
+    <dgm:txEffectClrLst/>
+  </dgm:styleLbl>
+  <dgm:styleLbl name="lnNode1">
+    <dgm:fillClrLst meth="repeat">
+      <a:schemeClr val="accent1"/>
+    </dgm:fillClrLst>
+    <dgm:linClrLst meth="repeat">
+      <a:schemeClr val="lt1"/>
+    </dgm:linClrLst>
+    <dgm:effectClrLst/>
+    <dgm:txLinClrLst/>
+    <dgm:txFillClrLst/>
+    <dgm:txEffectClrLst/>
+  </dgm:styleLbl>
+  <dgm:styleLbl name="vennNode1">
+    <dgm:fillClrLst meth="repeat">
+      <a:schemeClr val="accent1">
+        <a:alpha val="50000"/>
+      </a:schemeClr>
+    </dgm:fillClrLst>
+    <dgm:linClrLst meth="repeat">
+      <a:schemeClr val="lt1"/>
+    </dgm:linClrLst>
+    <dgm:effectClrLst/>
+    <dgm:txLinClrLst/>
+    <dgm:txFillClrLst/>
+    <dgm:txEffectClrLst/>
+  </dgm:styleLbl>
+  <dgm:styleLbl name="node2">
+    <dgm:fillClrLst meth="repeat">
+      <a:schemeClr val="accent1"/>
+    </dgm:fillClrLst>
+    <dgm:linClrLst meth="repeat">
+      <a:schemeClr val="lt1"/>
+    </dgm:linClrLst>
+    <dgm:effectClrLst/>
+    <dgm:txLinClrLst/>
+    <dgm:txFillClrLst/>
+    <dgm:txEffectClrLst/>
+  </dgm:styleLbl>
+  <dgm:styleLbl name="node3">
+    <dgm:fillClrLst meth="repeat">
+      <a:schemeClr val="accent1"/>
+    </dgm:fillClrLst>
+    <dgm:linClrLst meth="repeat">
+      <a:schemeClr val="lt1"/>
+    </dgm:linClrLst>
+    <dgm:effectClrLst/>
+    <dgm:txLinClrLst/>
+    <dgm:txFillClrLst/>
+    <dgm:txEffectClrLst/>
+  </dgm:styleLbl>
+  <dgm:styleLbl name="node4">
+    <dgm:fillClrLst meth="repeat">
+      <a:schemeClr val="accent1"/>
+    </dgm:fillClrLst>
+    <dgm:linClrLst meth="repeat">
+      <a:schemeClr val="lt1"/>
+    </dgm:linClrLst>
+    <dgm:effectClrLst/>
+    <dgm:txLinClrLst/>
+    <dgm:txFillClrLst/>
+    <dgm:txEffectClrLst/>
+  </dgm:styleLbl>
+  <dgm:styleLbl name="fgImgPlace1">
+    <dgm:fillClrLst meth="repeat">
+      <a:schemeClr val="accent1">
+        <a:tint val="50000"/>
+      </a:schemeClr>
+    </dgm:fillClrLst>
+    <dgm:linClrLst meth="repeat">
+      <a:schemeClr val="lt1"/>
+    </dgm:linClrLst>
+    <dgm:effectClrLst/>
+    <dgm:txLinClrLst/>
+    <dgm:txFillClrLst meth="repeat">
+      <a:schemeClr val="lt1"/>
+    </dgm:txFillClrLst>
+    <dgm:txEffectClrLst/>
+  </dgm:styleLbl>
+  <dgm:styleLbl name="alignImgPlace1">
+    <dgm:fillClrLst meth="repeat">
+      <a:schemeClr val="accent1">
+        <a:tint val="50000"/>
+      </a:schemeClr>
+    </dgm:fillClrLst>
+    <dgm:linClrLst meth="repeat">
+      <a:schemeClr val="lt1"/>
+    </dgm:linClrLst>
+    <dgm:effectClrLst/>
+    <dgm:txLinClrLst/>
+    <dgm:txFillClrLst meth="repeat">
+      <a:schemeClr val="lt1"/>
+    </dgm:txFillClrLst>
+    <dgm:txEffectClrLst/>
+  </dgm:styleLbl>
+  <dgm:styleLbl name="bgImgPlace1">
+    <dgm:fillClrLst meth="repeat">
+      <a:schemeClr val="accent1">
+        <a:tint val="50000"/>
+      </a:schemeClr>
+    </dgm:fillClrLst>
+    <dgm:linClrLst meth="repeat">
+      <a:schemeClr val="lt1"/>
+    </dgm:linClrLst>
+    <dgm:effectClrLst/>
+    <dgm:txLinClrLst/>
+    <dgm:txFillClrLst meth="repeat">
+      <a:schemeClr val="lt1"/>
+    </dgm:txFillClrLst>
+    <dgm:txEffectClrLst/>
+  </dgm:styleLbl>
+  <dgm:styleLbl name="sibTrans2D1">
+    <dgm:fillClrLst meth="repeat">
+      <a:schemeClr val="accent1">
+        <a:tint val="60000"/>
+      </a:schemeClr>
+    </dgm:fillClrLst>
+    <dgm:linClrLst meth="repeat">
+      <a:schemeClr val="accent1">
+        <a:tint val="60000"/>
+      </a:schemeClr>
+    </dgm:linClrLst>
+    <dgm:effectClrLst/>
+    <dgm:txLinClrLst/>
+    <dgm:txFillClrLst/>
+    <dgm:txEffectClrLst/>
+  </dgm:styleLbl>
+  <dgm:styleLbl name="fgSibTrans2D1">
+    <dgm:fillClrLst meth="repeat">
+      <a:schemeClr val="accent1">
+        <a:tint val="60000"/>
+      </a:schemeClr>
+    </dgm:fillClrLst>
+    <dgm:linClrLst meth="repeat">
+      <a:schemeClr val="accent1">
+        <a:tint val="60000"/>
+      </a:schemeClr>
+    </dgm:linClrLst>
+    <dgm:effectClrLst/>
+    <dgm:txLinClrLst/>
+    <dgm:txFillClrLst/>
+    <dgm:txEffectClrLst/>
+  </dgm:styleLbl>
+  <dgm:styleLbl name="bgSibTrans2D1">
+    <dgm:fillClrLst meth="repeat">
+      <a:schemeClr val="accent1">
+        <a:tint val="60000"/>
+      </a:schemeClr>
+    </dgm:fillClrLst>
+    <dgm:linClrLst meth="repeat">
+      <a:schemeClr val="accent1">
+        <a:tint val="60000"/>
+      </a:schemeClr>
+    </dgm:linClrLst>
+    <dgm:effectClrLst/>
+    <dgm:txLinClrLst/>
+    <dgm:txFillClrLst/>
+    <dgm:txEffectClrLst/>
+  </dgm:styleLbl>
+  <dgm:styleLbl name="sibTrans1D1">
+    <dgm:fillClrLst meth="repeat">
+      <a:schemeClr val="accent1"/>
+    </dgm:fillClrLst>
+    <dgm:linClrLst meth="repeat">
+      <a:schemeClr val="accent1"/>
+    </dgm:linClrLst>
+    <dgm:effectClrLst/>
+    <dgm:txLinClrLst/>
+    <dgm:txFillClrLst meth="repeat">
+      <a:schemeClr val="tx1"/>
+    </dgm:txFillClrLst>
+    <dgm:txEffectClrLst/>
+  </dgm:styleLbl>
+  <dgm:styleLbl name="callout">
+    <dgm:fillClrLst meth="repeat">
+      <a:schemeClr val="accent1"/>
+    </dgm:fillClrLst>
+    <dgm:linClrLst meth="repeat">
+      <a:schemeClr val="accent1">
+        <a:tint val="50000"/>
+      </a:schemeClr>
+    </dgm:linClrLst>
+    <dgm:effectClrLst/>
+    <dgm:txLinClrLst/>
+    <dgm:txFillClrLst meth="repeat">
+      <a:schemeClr val="tx1"/>
+    </dgm:txFillClrLst>
+    <dgm:txEffectClrLst/>
+  </dgm:styleLbl>
+  <dgm:styleLbl name="asst0">
+    <dgm:fillClrLst meth="repeat">
+      <a:schemeClr val="accent1"/>
+    </dgm:fillClrLst>
+    <dgm:linClrLst meth="repeat">
+      <a:schemeClr val="lt1"/>
+    </dgm:linClrLst>
+    <dgm:effectClrLst/>
+    <dgm:txLinClrLst/>
+    <dgm:txFillClrLst/>
+    <dgm:txEffectClrLst/>
+  </dgm:styleLbl>
+  <dgm:styleLbl name="asst1">
+    <dgm:fillClrLst meth="repeat">
+      <a:schemeClr val="accent1"/>
+    </dgm:fillClrLst>
+    <dgm:linClrLst meth="repeat">
+      <a:schemeClr val="lt1"/>
+    </dgm:linClrLst>
+    <dgm:effectClrLst/>
+    <dgm:txLinClrLst/>
+    <dgm:txFillClrLst/>
+    <dgm:txEffectClrLst/>
+  </dgm:styleLbl>
+  <dgm:styleLbl name="asst2">
+    <dgm:fillClrLst meth="repeat">
+      <a:schemeClr val="accent1"/>
+    </dgm:fillClrLst>
+    <dgm:linClrLst meth="repeat">
+      <a:schemeClr val="lt1"/>
+    </dgm:linClrLst>
+    <dgm:effectClrLst/>
+    <dgm:txLinClrLst/>
+    <dgm:txFillClrLst/>
+    <dgm:txEffectClrLst/>
+  </dgm:styleLbl>
+  <dgm:styleLbl name="asst3">
+    <dgm:fillClrLst meth="repeat">
+      <a:schemeClr val="accent1"/>
+    </dgm:fillClrLst>
+    <dgm:linClrLst meth="repeat">
+      <a:schemeClr val="lt1"/>
+    </dgm:linClrLst>
+    <dgm:effectClrLst/>
+    <dgm:txLinClrLst/>
+    <dgm:txFillClrLst/>
+    <dgm:txEffectClrLst/>
+  </dgm:styleLbl>
+  <dgm:styleLbl name="asst4">
+    <dgm:fillClrLst meth="repeat">
+      <a:schemeClr val="accent1"/>
+    </dgm:fillClrLst>
+    <dgm:linClrLst meth="repeat">
+      <a:schemeClr val="lt1"/>
+    </dgm:linClrLst>
+    <dgm:effectClrLst/>
+    <dgm:txLinClrLst/>
+    <dgm:txFillClrLst/>
+    <dgm:txEffectClrLst/>
+  </dgm:styleLbl>
+  <dgm:styleLbl name="parChTrans2D1">
+    <dgm:fillClrLst meth="repeat">
+      <a:schemeClr val="accent1">
+        <a:tint val="60000"/>
+      </a:schemeClr>
+    </dgm:fillClrLst>
+    <dgm:linClrLst meth="repeat">
+      <a:schemeClr val="accent1">
+        <a:tint val="60000"/>
+      </a:schemeClr>
+    </dgm:linClrLst>
+    <dgm:effectClrLst/>
+    <dgm:txLinClrLst/>
+    <dgm:txFillClrLst meth="repeat">
+      <a:schemeClr val="lt1"/>
+    </dgm:txFillClrLst>
+    <dgm:txEffectClrLst/>
+  </dgm:styleLbl>
+  <dgm:styleLbl name="parChTrans2D2">
+    <dgm:fillClrLst meth="repeat">
+      <a:schemeClr val="accent1"/>
+    </dgm:fillClrLst>
+    <dgm:linClrLst meth="repeat">
+      <a:schemeClr val="accent1"/>
+    </dgm:linClrLst>
+    <dgm:effectClrLst/>
+    <dgm:txLinClrLst/>
+    <dgm:txFillClrLst meth="repeat">
+      <a:schemeClr val="lt1"/>
+    </dgm:txFillClrLst>
+    <dgm:txEffectClrLst/>
+  </dgm:styleLbl>
+  <dgm:styleLbl name="parChTrans2D3">
+    <dgm:fillClrLst meth="repeat">
+      <a:schemeClr val="accent1"/>
+    </dgm:fillClrLst>
+    <dgm:linClrLst meth="repeat">
+      <a:schemeClr val="accent1"/>
+    </dgm:linClrLst>
+    <dgm:effectClrLst/>
+    <dgm:txLinClrLst/>
+    <dgm:txFillClrLst meth="repeat">
+      <a:schemeClr val="lt1"/>
+    </dgm:txFillClrLst>
+    <dgm:txEffectClrLst/>
+  </dgm:styleLbl>
+  <dgm:styleLbl name="parChTrans2D4">
+    <dgm:fillClrLst meth="repeat">
+      <a:schemeClr val="accent1"/>
+    </dgm:fillClrLst>
+    <dgm:linClrLst meth="repeat">
+      <a:schemeClr val="accent1"/>
+    </dgm:linClrLst>
+    <dgm:effectClrLst/>
+    <dgm:txLinClrLst/>
+    <dgm:txFillClrLst meth="repeat">
+      <a:schemeClr val="lt1"/>
+    </dgm:txFillClrLst>
+    <dgm:txEffectClrLst/>
+  </dgm:styleLbl>
+  <dgm:styleLbl name="parChTrans1D1">
+    <dgm:fillClrLst meth="repeat">
+      <a:schemeClr val="accent1"/>
+    </dgm:fillClrLst>
+    <dgm:linClrLst meth="repeat">
+      <a:schemeClr val="accent1">
+        <a:shade val="60000"/>
+      </a:schemeClr>
+    </dgm:linClrLst>
+    <dgm:effectClrLst/>
+    <dgm:txLinClrLst/>
+    <dgm:txFillClrLst meth="repeat">
+      <a:schemeClr val="tx1"/>
+    </dgm:txFillClrLst>
+    <dgm:txEffectClrLst/>
+  </dgm:styleLbl>
+  <dgm:styleLbl name="parChTrans1D2">
+    <dgm:fillClrLst meth="repeat">
+      <a:schemeClr val="accent1"/>
+    </dgm:fillClrLst>
+    <dgm:linClrLst meth="repeat">
+      <a:schemeClr val="accent1">
+        <a:shade val="60000"/>
+      </a:schemeClr>
+    </dgm:linClrLst>
+    <dgm:effectClrLst/>
+    <dgm:txLinClrLst/>
+    <dgm:txFillClrLst meth="repeat">
+      <a:schemeClr val="tx1"/>
+    </dgm:txFillClrLst>
+    <dgm:txEffectClrLst/>
+  </dgm:styleLbl>
+  <dgm:styleLbl name="parChTrans1D3">
+    <dgm:fillClrLst meth="repeat">
+      <a:schemeClr val="accent1"/>
+    </dgm:fillClrLst>
+    <dgm:linClrLst meth="repeat">
+      <a:schemeClr val="accent1">
+        <a:shade val="80000"/>
+      </a:schemeClr>
+    </dgm:linClrLst>
+    <dgm:effectClrLst/>
+    <dgm:txLinClrLst/>
+    <dgm:txFillClrLst meth="repeat">
+      <a:schemeClr val="tx1"/>
+    </dgm:txFillClrLst>
+    <dgm:txEffectClrLst/>
+  </dgm:styleLbl>
+  <dgm:styleLbl name="parChTrans1D4">
+    <dgm:fillClrLst meth="repeat">
+      <a:schemeClr val="accent1"/>
+    </dgm:fillClrLst>
+    <dgm:linClrLst meth="repeat">
+      <a:schemeClr val="accent1">
+        <a:shade val="80000"/>
+      </a:schemeClr>
+    </dgm:linClrLst>
+    <dgm:effectClrLst/>
+    <dgm:txLinClrLst/>
+    <dgm:txFillClrLst meth="repeat">
+      <a:schemeClr val="tx1"/>
+    </dgm:txFillClrLst>
+    <dgm:txEffectClrLst/>
+  </dgm:styleLbl>
+  <dgm:styleLbl name="fgAcc1">
+    <dgm:fillClrLst meth="repeat">
+      <a:schemeClr val="lt1">
+        <a:alpha val="90000"/>
+      </a:schemeClr>
+    </dgm:fillClrLst>
+    <dgm:linClrLst meth="repeat">
+      <a:schemeClr val="accent1"/>
+    </dgm:linClrLst>
+    <dgm:effectClrLst/>
+    <dgm:txLinClrLst/>
+    <dgm:txFillClrLst meth="repeat">
+      <a:schemeClr val="dk1"/>
+    </dgm:txFillClrLst>
+    <dgm:txEffectClrLst/>
+  </dgm:styleLbl>
+  <dgm:styleLbl name="conFgAcc1">
+    <dgm:fillClrLst meth="repeat">
+      <a:schemeClr val="lt1">
+        <a:alpha val="90000"/>
+      </a:schemeClr>
+    </dgm:fillClrLst>
+    <dgm:linClrLst meth="repeat">
+      <a:schemeClr val="accent1"/>
+    </dgm:linClrLst>
+    <dgm:effectClrLst/>
+    <dgm:txLinClrLst/>
+    <dgm:txFillClrLst meth="repeat">
+      <a:schemeClr val="dk1"/>
+    </dgm:txFillClrLst>
+    <dgm:txEffectClrLst/>
+  </dgm:styleLbl>
+  <dgm:styleLbl name="alignAcc1">
+    <dgm:fillClrLst meth="repeat">
+      <a:schemeClr val="lt1">
+        <a:alpha val="90000"/>
+      </a:schemeClr>
+    </dgm:fillClrLst>
+    <dgm:linClrLst meth="repeat">
+      <a:schemeClr val="accent1"/>
+    </dgm:linClrLst>
+    <dgm:effectClrLst/>
+    <dgm:txLinClrLst/>
+    <dgm:txFillClrLst meth="repeat">
+      <a:schemeClr val="dk1"/>
+    </dgm:txFillClrLst>
+    <dgm:txEffectClrLst/>
+  </dgm:styleLbl>
+  <dgm:styleLbl name="trAlignAcc1">
+    <dgm:fillClrLst meth="repeat">
+      <a:schemeClr val="lt1">
+        <a:alpha val="40000"/>
+      </a:schemeClr>
+    </dgm:fillClrLst>
+    <dgm:linClrLst meth="repeat">
+      <a:schemeClr val="accent1"/>
+    </dgm:linClrLst>
+    <dgm:effectClrLst/>
+    <dgm:txLinClrLst/>
+    <dgm:txFillClrLst meth="repeat">
+      <a:schemeClr val="dk1"/>
+    </dgm:txFillClrLst>
+    <dgm:txEffectClrLst/>
+  </dgm:styleLbl>
+  <dgm:styleLbl name="bgAcc1">
+    <dgm:fillClrLst meth="repeat">
+      <a:schemeClr val="lt1">
+        <a:alpha val="90000"/>
+      </a:schemeClr>
+    </dgm:fillClrLst>
+    <dgm:linClrLst meth="repeat">
+      <a:schemeClr val="accent1"/>
+    </dgm:linClrLst>
+    <dgm:effectClrLst/>
+    <dgm:txLinClrLst/>
+    <dgm:txFillClrLst meth="repeat">
+      <a:schemeClr val="dk1"/>
+    </dgm:txFillClrLst>
+    <dgm:txEffectClrLst/>
+  </dgm:styleLbl>
+  <dgm:styleLbl name="solidFgAcc1">
+    <dgm:fillClrLst meth="repeat">
+      <a:schemeClr val="lt1"/>
+    </dgm:fillClrLst>
+    <dgm:linClrLst meth="repeat">
+      <a:schemeClr val="accent1"/>
+    </dgm:linClrLst>
+    <dgm:effectClrLst/>
+    <dgm:txLinClrLst/>
+    <dgm:txFillClrLst meth="repeat">
+      <a:schemeClr val="dk1"/>
+    </dgm:txFillClrLst>
+    <dgm:txEffectClrLst/>
+  </dgm:styleLbl>
+  <dgm:styleLbl name="solidAlignAcc1">
+    <dgm:fillClrLst meth="repeat">
+      <a:schemeClr val="lt1"/>
+    </dgm:fillClrLst>
+    <dgm:linClrLst meth="repeat">
+      <a:schemeClr val="accent1"/>
+    </dgm:linClrLst>
+    <dgm:effectClrLst/>
+    <dgm:txLinClrLst/>
+    <dgm:txFillClrLst meth="repeat">
+      <a:schemeClr val="dk1"/>
+    </dgm:txFillClrLst>
+    <dgm:txEffectClrLst/>
+  </dgm:styleLbl>
+  <dgm:styleLbl name="solidBgAcc1">
+    <dgm:fillClrLst meth="repeat">
+      <a:schemeClr val="lt1"/>
+    </dgm:fillClrLst>
+    <dgm:linClrLst meth="repeat">
+      <a:schemeClr val="accent1"/>
+    </dgm:linClrLst>
+    <dgm:effectClrLst/>
+    <dgm:txLinClrLst/>
+    <dgm:txFillClrLst meth="repeat">
+      <a:schemeClr val="dk1"/>
+    </dgm:txFillClrLst>
+    <dgm:txEffectClrLst/>
+  </dgm:styleLbl>
+  <dgm:styleLbl name="fgAccFollowNode1">
+    <dgm:fillClrLst meth="repeat">
+      <a:schemeClr val="accent1">
+        <a:alpha val="90000"/>
+        <a:tint val="40000"/>
+      </a:schemeClr>
+    </dgm:fillClrLst>
+    <dgm:linClrLst meth="repeat">
+      <a:schemeClr val="accent1">
+        <a:alpha val="90000"/>
+        <a:tint val="40000"/>
+      </a:schemeClr>
+    </dgm:linClrLst>
+    <dgm:effectClrLst/>
+    <dgm:txLinClrLst/>
+    <dgm:txFillClrLst meth="repeat">
+      <a:schemeClr val="dk1"/>
+    </dgm:txFillClrLst>
+    <dgm:txEffectClrLst/>
+  </dgm:styleLbl>
+  <dgm:styleLbl name="alignAccFollowNode1">
+    <dgm:fillClrLst meth="repeat">
+      <a:schemeClr val="accent1">
+        <a:alpha val="90000"/>
+        <a:tint val="40000"/>
+      </a:schemeClr>
+    </dgm:fillClrLst>
+    <dgm:linClrLst meth="repeat">
+      <a:schemeClr val="accent1">
+        <a:alpha val="90000"/>
+        <a:tint val="40000"/>
+      </a:schemeClr>
+    </dgm:linClrLst>
+    <dgm:effectClrLst/>
+    <dgm:txLinClrLst/>
+    <dgm:txFillClrLst meth="repeat">
+      <a:schemeClr val="dk1"/>
+    </dgm:txFillClrLst>
+    <dgm:txEffectClrLst/>
+  </dgm:styleLbl>
+  <dgm:styleLbl name="bgAccFollowNode1">
+    <dgm:fillClrLst meth="repeat">
+      <a:schemeClr val="accent1">
+        <a:alpha val="90000"/>
+        <a:tint val="40000"/>
+      </a:schemeClr>
+    </dgm:fillClrLst>
+    <dgm:linClrLst meth="repeat">
+      <a:schemeClr val="accent1">
+        <a:alpha val="90000"/>
+        <a:tint val="40000"/>
+      </a:schemeClr>
+    </dgm:linClrLst>
+    <dgm:effectClrLst/>
+    <dgm:txLinClrLst/>
+    <dgm:txFillClrLst meth="repeat">
+      <a:schemeClr val="dk1"/>
+    </dgm:txFillClrLst>
+    <dgm:txEffectClrLst/>
+  </dgm:styleLbl>
+  <dgm:styleLbl name="fgAcc0">
+    <dgm:fillClrLst meth="repeat">
+      <a:schemeClr val="lt1">
+        <a:alpha val="90000"/>
+      </a:schemeClr>
+    </dgm:fillClrLst>
+    <dgm:linClrLst meth="repeat">
+      <a:schemeClr val="accent1"/>
+    </dgm:linClrLst>
+    <dgm:effectClrLst/>
+    <dgm:txLinClrLst/>
+    <dgm:txFillClrLst meth="repeat">
+      <a:schemeClr val="dk1"/>
+    </dgm:txFillClrLst>
+    <dgm:txEffectClrLst/>
+  </dgm:styleLbl>
+  <dgm:styleLbl name="fgAcc2">
+    <dgm:fillClrLst meth="repeat">
+      <a:schemeClr val="lt1">
+        <a:alpha val="90000"/>
+      </a:schemeClr>
+    </dgm:fillClrLst>
+    <dgm:linClrLst meth="repeat">
+      <a:schemeClr val="accent1"/>
+    </dgm:linClrLst>
+    <dgm:effectClrLst/>
+    <dgm:txLinClrLst/>
+    <dgm:txFillClrLst meth="repeat">
+      <a:schemeClr val="dk1"/>
+    </dgm:txFillClrLst>
+    <dgm:txEffectClrLst/>
+  </dgm:styleLbl>
+  <dgm:styleLbl name="fgAcc3">
+    <dgm:fillClrLst meth="repeat">
+      <a:schemeClr val="lt1">
+        <a:alpha val="90000"/>
+      </a:schemeClr>
+    </dgm:fillClrLst>
+    <dgm:linClrLst meth="repeat">
+      <a:schemeClr val="accent1"/>
+    </dgm:linClrLst>
+    <dgm:effectClrLst/>
+    <dgm:txLinClrLst/>
+    <dgm:txFillClrLst meth="repeat">
+      <a:schemeClr val="dk1"/>
+    </dgm:txFillClrLst>
+    <dgm:txEffectClrLst/>
+  </dgm:styleLbl>
+  <dgm:styleLbl name="fgAcc4">
+    <dgm:fillClrLst meth="repeat">
+      <a:schemeClr val="lt1">
+        <a:alpha val="90000"/>
+      </a:schemeClr>
+    </dgm:fillClrLst>
+    <dgm:linClrLst meth="repeat">
+      <a:schemeClr val="accent1"/>
+    </dgm:linClrLst>
+    <dgm:effectClrLst/>
+    <dgm:txLinClrLst/>
+    <dgm:txFillClrLst meth="repeat">
+      <a:schemeClr val="dk1"/>
+    </dgm:txFillClrLst>
+    <dgm:txEffectClrLst/>
+  </dgm:styleLbl>
+  <dgm:styleLbl name="bgShp">
+    <dgm:fillClrLst meth="repeat">
+      <a:schemeClr val="accent1">
+        <a:tint val="40000"/>
+      </a:schemeClr>
+    </dgm:fillClrLst>
+    <dgm:linClrLst meth="repeat">
+      <a:schemeClr val="accent1"/>
+    </dgm:linClrLst>
+    <dgm:effectClrLst/>
+    <dgm:txLinClrLst/>
+    <dgm:txFillClrLst meth="repeat">
+      <a:schemeClr val="dk1"/>
+    </dgm:txFillClrLst>
+    <dgm:txEffectClrLst/>
+  </dgm:styleLbl>
+  <dgm:styleLbl name="dkBgShp">
+    <dgm:fillClrLst meth="repeat">
+      <a:schemeClr val="accent1">
+        <a:shade val="80000"/>
+      </a:schemeClr>
+    </dgm:fillClrLst>
+    <dgm:linClrLst meth="repeat">
+      <a:schemeClr val="accent1"/>
+    </dgm:linClrLst>
+    <dgm:effectClrLst/>
+    <dgm:txLinClrLst/>
+    <dgm:txFillClrLst meth="repeat">
+      <a:schemeClr val="lt1"/>
+    </dgm:txFillClrLst>
+    <dgm:txEffectClrLst/>
+  </dgm:styleLbl>
+  <dgm:styleLbl name="trBgShp">
+    <dgm:fillClrLst meth="repeat">
+      <a:schemeClr val="accent1">
+        <a:tint val="50000"/>
+        <a:alpha val="40000"/>
+      </a:schemeClr>
+    </dgm:fillClrLst>
+    <dgm:linClrLst meth="repeat">
+      <a:schemeClr val="accent1"/>
+    </dgm:linClrLst>
+    <dgm:effectClrLst/>
+    <dgm:txLinClrLst/>
+    <dgm:txFillClrLst meth="repeat">
+      <a:schemeClr val="lt1"/>
+    </dgm:txFillClrLst>
+    <dgm:txEffectClrLst/>
+  </dgm:styleLbl>
+  <dgm:styleLbl name="fgShp">
+    <dgm:fillClrLst meth="repeat">
+      <a:schemeClr val="accent1">
+        <a:tint val="60000"/>
+      </a:schemeClr>
+    </dgm:fillClrLst>
+    <dgm:linClrLst meth="repeat">
+      <a:schemeClr val="lt1"/>
+    </dgm:linClrLst>
+    <dgm:effectClrLst/>
+    <dgm:txLinClrLst/>
+    <dgm:txFillClrLst meth="repeat">
+      <a:schemeClr val="dk1"/>
+    </dgm:txFillClrLst>
+    <dgm:txEffectClrLst/>
+  </dgm:styleLbl>
+  <dgm:styleLbl name="revTx">
+    <dgm:fillClrLst meth="repeat">
+      <a:schemeClr val="lt1">
+        <a:alpha val="0"/>
+      </a:schemeClr>
+    </dgm:fillClrLst>
+    <dgm:linClrLst meth="repeat">
+      <a:schemeClr val="dk1">
+        <a:alpha val="0"/>
+      </a:schemeClr>
+    </dgm:linClrLst>
+    <dgm:effectClrLst/>
+    <dgm:txLinClrLst/>
+    <dgm:txFillClrLst meth="repeat">
+      <a:schemeClr val="tx1"/>
+    </dgm:txFillClrLst>
+    <dgm:txEffectClrLst/>
+  </dgm:styleLbl>
+</dgm:colorsDef>
+</file>
+
+<file path=ppt/diagrams/colors2.xml><?xml version="1.0" encoding="utf-8"?>
 <dgm:colorsDef xmlns:dgm="http://schemas.openxmlformats.org/drawingml/2006/diagram" xmlns:a="http://schemas.openxmlformats.org/drawingml/2006/main" uniqueId="urn:microsoft.com/office/officeart/2005/8/colors/accent1_2">
   <dgm:title val=""/>
   <dgm:desc val=""/>
@@ -1472,6 +2219,204 @@
 </dgm:dataModel>
 </file>
 
+<file path=ppt/diagrams/data2.xml><?xml version="1.0" encoding="utf-8"?>
+<dgm:dataModel xmlns:dgm="http://schemas.openxmlformats.org/drawingml/2006/diagram" xmlns:a="http://schemas.openxmlformats.org/drawingml/2006/main">
+  <dgm:ptLst>
+    <dgm:pt modelId="{51C0E328-AC6F-4484-AFDD-5DA36F360FBC}" type="doc">
+      <dgm:prSet loTypeId="urn:microsoft.com/office/officeart/2005/8/layout/process1" loCatId="process" qsTypeId="urn:microsoft.com/office/officeart/2005/8/quickstyle/simple1" qsCatId="simple" csTypeId="urn:microsoft.com/office/officeart/2005/8/colors/accent1_2" csCatId="accent1" phldr="1"/>
+      <dgm:spPr/>
+    </dgm:pt>
+    <dgm:pt modelId="{92F59F4F-FCFC-4530-8147-5B9361546E96}">
+      <dgm:prSet phldrT="[Text]"/>
+      <dgm:spPr/>
+      <dgm:t>
+        <a:bodyPr/>
+        <a:lstStyle/>
+        <a:p>
+          <a:r>
+            <a:rPr lang="en-US" dirty="0" err="1"/>
+            <a:t>Validasi</a:t>
+          </a:r>
+          <a:endParaRPr lang="en-ID" dirty="0"/>
+        </a:p>
+      </dgm:t>
+    </dgm:pt>
+    <dgm:pt modelId="{5ABBCE0C-15C7-44A2-B506-97C5F4C5A3AA}" type="parTrans" cxnId="{F86B8086-49F9-4F77-A219-BDE28B032668}">
+      <dgm:prSet/>
+      <dgm:spPr/>
+      <dgm:t>
+        <a:bodyPr/>
+        <a:lstStyle/>
+        <a:p>
+          <a:endParaRPr lang="en-ID"/>
+        </a:p>
+      </dgm:t>
+    </dgm:pt>
+    <dgm:pt modelId="{24D313F7-0C89-4510-9CC8-4C0636BC8A2C}" type="sibTrans" cxnId="{F86B8086-49F9-4F77-A219-BDE28B032668}">
+      <dgm:prSet/>
+      <dgm:spPr/>
+      <dgm:t>
+        <a:bodyPr/>
+        <a:lstStyle/>
+        <a:p>
+          <a:endParaRPr lang="en-ID"/>
+        </a:p>
+      </dgm:t>
+    </dgm:pt>
+    <dgm:pt modelId="{471F868D-FB94-4898-83F5-BC0F793463BF}">
+      <dgm:prSet phldrT="[Text]"/>
+      <dgm:spPr/>
+      <dgm:t>
+        <a:bodyPr/>
+        <a:lstStyle/>
+        <a:p>
+          <a:r>
+            <a:rPr lang="en-US" dirty="0" err="1"/>
+            <a:t>Replikasi</a:t>
+          </a:r>
+          <a:endParaRPr lang="en-ID" dirty="0"/>
+        </a:p>
+      </dgm:t>
+    </dgm:pt>
+    <dgm:pt modelId="{16C8EBE8-D04E-4D57-9EAC-1516C21B8C68}" type="parTrans" cxnId="{23EF21CD-C4EF-42C1-9A59-9A9976797CF2}">
+      <dgm:prSet/>
+      <dgm:spPr/>
+      <dgm:t>
+        <a:bodyPr/>
+        <a:lstStyle/>
+        <a:p>
+          <a:endParaRPr lang="en-ID"/>
+        </a:p>
+      </dgm:t>
+    </dgm:pt>
+    <dgm:pt modelId="{81AF1869-0226-4851-B85D-2CE74AD3935C}" type="sibTrans" cxnId="{23EF21CD-C4EF-42C1-9A59-9A9976797CF2}">
+      <dgm:prSet/>
+      <dgm:spPr/>
+      <dgm:t>
+        <a:bodyPr/>
+        <a:lstStyle/>
+        <a:p>
+          <a:endParaRPr lang="en-ID"/>
+        </a:p>
+      </dgm:t>
+    </dgm:pt>
+    <dgm:pt modelId="{BA120044-B24A-4B5F-B5C2-5AC0B65AA03F}">
+      <dgm:prSet phldrT="[Text]"/>
+      <dgm:spPr/>
+      <dgm:t>
+        <a:bodyPr/>
+        <a:lstStyle/>
+        <a:p>
+          <a:r>
+            <a:rPr lang="en-ID" dirty="0" err="1"/>
+            <a:t>Pencatatan</a:t>
+          </a:r>
+          <a:endParaRPr lang="en-ID" dirty="0"/>
+        </a:p>
+      </dgm:t>
+    </dgm:pt>
+    <dgm:pt modelId="{7C5535D7-06B2-497F-9A6D-FBE4A294C627}" type="parTrans" cxnId="{E81E0940-F56F-422B-8C06-01A94B93FB05}">
+      <dgm:prSet/>
+      <dgm:spPr/>
+      <dgm:t>
+        <a:bodyPr/>
+        <a:lstStyle/>
+        <a:p>
+          <a:endParaRPr lang="en-ID"/>
+        </a:p>
+      </dgm:t>
+    </dgm:pt>
+    <dgm:pt modelId="{D85DE4DE-5123-4CD0-8EB8-CDFFDCFFBC1A}" type="sibTrans" cxnId="{E81E0940-F56F-422B-8C06-01A94B93FB05}">
+      <dgm:prSet/>
+      <dgm:spPr/>
+      <dgm:t>
+        <a:bodyPr/>
+        <a:lstStyle/>
+        <a:p>
+          <a:endParaRPr lang="en-ID"/>
+        </a:p>
+      </dgm:t>
+    </dgm:pt>
+    <dgm:pt modelId="{C85EED7D-5026-41DA-9868-F42F82F83F4B}" type="pres">
+      <dgm:prSet presAssocID="{51C0E328-AC6F-4484-AFDD-5DA36F360FBC}" presName="Name0" presStyleCnt="0">
+        <dgm:presLayoutVars>
+          <dgm:dir/>
+          <dgm:resizeHandles val="exact"/>
+        </dgm:presLayoutVars>
+      </dgm:prSet>
+      <dgm:spPr/>
+    </dgm:pt>
+    <dgm:pt modelId="{E04757BA-7EE2-4B0D-B663-0519B169FE22}" type="pres">
+      <dgm:prSet presAssocID="{92F59F4F-FCFC-4530-8147-5B9361546E96}" presName="node" presStyleLbl="node1" presStyleIdx="0" presStyleCnt="3">
+        <dgm:presLayoutVars>
+          <dgm:bulletEnabled val="1"/>
+        </dgm:presLayoutVars>
+      </dgm:prSet>
+      <dgm:spPr/>
+    </dgm:pt>
+    <dgm:pt modelId="{D193EA34-5792-4E6F-99E8-32C598C7BDE3}" type="pres">
+      <dgm:prSet presAssocID="{24D313F7-0C89-4510-9CC8-4C0636BC8A2C}" presName="sibTrans" presStyleLbl="sibTrans2D1" presStyleIdx="0" presStyleCnt="2"/>
+      <dgm:spPr/>
+    </dgm:pt>
+    <dgm:pt modelId="{DB576555-BA0E-472F-90D2-C6BECD26AD0B}" type="pres">
+      <dgm:prSet presAssocID="{24D313F7-0C89-4510-9CC8-4C0636BC8A2C}" presName="connectorText" presStyleLbl="sibTrans2D1" presStyleIdx="0" presStyleCnt="2"/>
+      <dgm:spPr/>
+    </dgm:pt>
+    <dgm:pt modelId="{D3202BE1-0BC5-4B2D-94E8-2B09150D96B0}" type="pres">
+      <dgm:prSet presAssocID="{471F868D-FB94-4898-83F5-BC0F793463BF}" presName="node" presStyleLbl="node1" presStyleIdx="1" presStyleCnt="3">
+        <dgm:presLayoutVars>
+          <dgm:bulletEnabled val="1"/>
+        </dgm:presLayoutVars>
+      </dgm:prSet>
+      <dgm:spPr/>
+    </dgm:pt>
+    <dgm:pt modelId="{8C00A0AA-474A-4490-80CB-4CC5B3C972DB}" type="pres">
+      <dgm:prSet presAssocID="{81AF1869-0226-4851-B85D-2CE74AD3935C}" presName="sibTrans" presStyleLbl="sibTrans2D1" presStyleIdx="1" presStyleCnt="2"/>
+      <dgm:spPr/>
+    </dgm:pt>
+    <dgm:pt modelId="{E04678DA-59FC-4314-9D29-217974F721A8}" type="pres">
+      <dgm:prSet presAssocID="{81AF1869-0226-4851-B85D-2CE74AD3935C}" presName="connectorText" presStyleLbl="sibTrans2D1" presStyleIdx="1" presStyleCnt="2"/>
+      <dgm:spPr/>
+    </dgm:pt>
+    <dgm:pt modelId="{3FC4F9E4-AD56-4093-882C-263EB9194078}" type="pres">
+      <dgm:prSet presAssocID="{BA120044-B24A-4B5F-B5C2-5AC0B65AA03F}" presName="node" presStyleLbl="node1" presStyleIdx="2" presStyleCnt="3">
+        <dgm:presLayoutVars>
+          <dgm:bulletEnabled val="1"/>
+        </dgm:presLayoutVars>
+      </dgm:prSet>
+      <dgm:spPr/>
+    </dgm:pt>
+  </dgm:ptLst>
+  <dgm:cxnLst>
+    <dgm:cxn modelId="{02B5810A-0534-436B-9897-1EC05BB25AC3}" type="presOf" srcId="{51C0E328-AC6F-4484-AFDD-5DA36F360FBC}" destId="{C85EED7D-5026-41DA-9868-F42F82F83F4B}" srcOrd="0" destOrd="0" presId="urn:microsoft.com/office/officeart/2005/8/layout/process1"/>
+    <dgm:cxn modelId="{E81E0940-F56F-422B-8C06-01A94B93FB05}" srcId="{51C0E328-AC6F-4484-AFDD-5DA36F360FBC}" destId="{BA120044-B24A-4B5F-B5C2-5AC0B65AA03F}" srcOrd="2" destOrd="0" parTransId="{7C5535D7-06B2-497F-9A6D-FBE4A294C627}" sibTransId="{D85DE4DE-5123-4CD0-8EB8-CDFFDCFFBC1A}"/>
+    <dgm:cxn modelId="{19951646-801A-4092-9165-AB27905CC90A}" type="presOf" srcId="{471F868D-FB94-4898-83F5-BC0F793463BF}" destId="{D3202BE1-0BC5-4B2D-94E8-2B09150D96B0}" srcOrd="0" destOrd="0" presId="urn:microsoft.com/office/officeart/2005/8/layout/process1"/>
+    <dgm:cxn modelId="{81123B78-5824-4C06-8652-57D2F358A030}" type="presOf" srcId="{24D313F7-0C89-4510-9CC8-4C0636BC8A2C}" destId="{D193EA34-5792-4E6F-99E8-32C598C7BDE3}" srcOrd="0" destOrd="0" presId="urn:microsoft.com/office/officeart/2005/8/layout/process1"/>
+    <dgm:cxn modelId="{51DCD259-C510-429E-B9E7-0B6AAF481539}" type="presOf" srcId="{81AF1869-0226-4851-B85D-2CE74AD3935C}" destId="{8C00A0AA-474A-4490-80CB-4CC5B3C972DB}" srcOrd="0" destOrd="0" presId="urn:microsoft.com/office/officeart/2005/8/layout/process1"/>
+    <dgm:cxn modelId="{F86B8086-49F9-4F77-A219-BDE28B032668}" srcId="{51C0E328-AC6F-4484-AFDD-5DA36F360FBC}" destId="{92F59F4F-FCFC-4530-8147-5B9361546E96}" srcOrd="0" destOrd="0" parTransId="{5ABBCE0C-15C7-44A2-B506-97C5F4C5A3AA}" sibTransId="{24D313F7-0C89-4510-9CC8-4C0636BC8A2C}"/>
+    <dgm:cxn modelId="{EE871493-4B2D-40C4-B035-98FAE4852448}" type="presOf" srcId="{92F59F4F-FCFC-4530-8147-5B9361546E96}" destId="{E04757BA-7EE2-4B0D-B663-0519B169FE22}" srcOrd="0" destOrd="0" presId="urn:microsoft.com/office/officeart/2005/8/layout/process1"/>
+    <dgm:cxn modelId="{0496299F-D8B4-4BC7-AA96-61ECAB5F5A8E}" type="presOf" srcId="{BA120044-B24A-4B5F-B5C2-5AC0B65AA03F}" destId="{3FC4F9E4-AD56-4093-882C-263EB9194078}" srcOrd="0" destOrd="0" presId="urn:microsoft.com/office/officeart/2005/8/layout/process1"/>
+    <dgm:cxn modelId="{F23F8DAB-91F8-4BB3-BE8E-A0B9172FA2AD}" type="presOf" srcId="{81AF1869-0226-4851-B85D-2CE74AD3935C}" destId="{E04678DA-59FC-4314-9D29-217974F721A8}" srcOrd="1" destOrd="0" presId="urn:microsoft.com/office/officeart/2005/8/layout/process1"/>
+    <dgm:cxn modelId="{D06F11CA-132F-4E44-B26B-4B8D9328FC81}" type="presOf" srcId="{24D313F7-0C89-4510-9CC8-4C0636BC8A2C}" destId="{DB576555-BA0E-472F-90D2-C6BECD26AD0B}" srcOrd="1" destOrd="0" presId="urn:microsoft.com/office/officeart/2005/8/layout/process1"/>
+    <dgm:cxn modelId="{23EF21CD-C4EF-42C1-9A59-9A9976797CF2}" srcId="{51C0E328-AC6F-4484-AFDD-5DA36F360FBC}" destId="{471F868D-FB94-4898-83F5-BC0F793463BF}" srcOrd="1" destOrd="0" parTransId="{16C8EBE8-D04E-4D57-9EAC-1516C21B8C68}" sibTransId="{81AF1869-0226-4851-B85D-2CE74AD3935C}"/>
+    <dgm:cxn modelId="{89DC4EC7-F24D-4E0B-AD46-D6BD23B39479}" type="presParOf" srcId="{C85EED7D-5026-41DA-9868-F42F82F83F4B}" destId="{E04757BA-7EE2-4B0D-B663-0519B169FE22}" srcOrd="0" destOrd="0" presId="urn:microsoft.com/office/officeart/2005/8/layout/process1"/>
+    <dgm:cxn modelId="{EBFD9270-0C74-4D78-8A17-0FD25A774623}" type="presParOf" srcId="{C85EED7D-5026-41DA-9868-F42F82F83F4B}" destId="{D193EA34-5792-4E6F-99E8-32C598C7BDE3}" srcOrd="1" destOrd="0" presId="urn:microsoft.com/office/officeart/2005/8/layout/process1"/>
+    <dgm:cxn modelId="{239C70B1-6F17-4E86-9287-02FAB45BAEEF}" type="presParOf" srcId="{D193EA34-5792-4E6F-99E8-32C598C7BDE3}" destId="{DB576555-BA0E-472F-90D2-C6BECD26AD0B}" srcOrd="0" destOrd="0" presId="urn:microsoft.com/office/officeart/2005/8/layout/process1"/>
+    <dgm:cxn modelId="{C3525FA6-B296-4C76-A0C1-D8C168643722}" type="presParOf" srcId="{C85EED7D-5026-41DA-9868-F42F82F83F4B}" destId="{D3202BE1-0BC5-4B2D-94E8-2B09150D96B0}" srcOrd="2" destOrd="0" presId="urn:microsoft.com/office/officeart/2005/8/layout/process1"/>
+    <dgm:cxn modelId="{9D9B7A2D-EC81-4479-B5D7-1C4EEDD312A8}" type="presParOf" srcId="{C85EED7D-5026-41DA-9868-F42F82F83F4B}" destId="{8C00A0AA-474A-4490-80CB-4CC5B3C972DB}" srcOrd="3" destOrd="0" presId="urn:microsoft.com/office/officeart/2005/8/layout/process1"/>
+    <dgm:cxn modelId="{74F13BDA-E668-4D7F-88B0-AE216BEF1A49}" type="presParOf" srcId="{8C00A0AA-474A-4490-80CB-4CC5B3C972DB}" destId="{E04678DA-59FC-4314-9D29-217974F721A8}" srcOrd="0" destOrd="0" presId="urn:microsoft.com/office/officeart/2005/8/layout/process1"/>
+    <dgm:cxn modelId="{3CF86631-45FD-46C2-9D50-EA58448253C1}" type="presParOf" srcId="{C85EED7D-5026-41DA-9868-F42F82F83F4B}" destId="{3FC4F9E4-AD56-4093-882C-263EB9194078}" srcOrd="4" destOrd="0" presId="urn:microsoft.com/office/officeart/2005/8/layout/process1"/>
+  </dgm:cxnLst>
+  <dgm:bg/>
+  <dgm:whole/>
+  <dgm:extLst>
+    <a:ext uri="http://schemas.microsoft.com/office/drawing/2008/diagram">
+      <dsp:dataModelExt xmlns:dsp="http://schemas.microsoft.com/office/drawing/2008/diagram" relId="rId7" minVer="http://schemas.openxmlformats.org/drawingml/2006/diagram"/>
+    </a:ext>
+  </dgm:extLst>
+</dgm:dataModel>
+</file>
+
 <file path=ppt/diagrams/drawing1.xml><?xml version="1.0" encoding="utf-8"?>
 <dsp:drawing xmlns:dgm="http://schemas.openxmlformats.org/drawingml/2006/diagram" xmlns:dsp="http://schemas.microsoft.com/office/drawing/2008/diagram" xmlns:a="http://schemas.openxmlformats.org/drawingml/2006/main">
   <dsp:spTree>
@@ -2422,6 +3367,401 @@
 </dsp:drawing>
 </file>
 
+<file path=ppt/diagrams/drawing2.xml><?xml version="1.0" encoding="utf-8"?>
+<dsp:drawing xmlns:dgm="http://schemas.openxmlformats.org/drawingml/2006/diagram" xmlns:dsp="http://schemas.microsoft.com/office/drawing/2008/diagram" xmlns:a="http://schemas.openxmlformats.org/drawingml/2006/main">
+  <dsp:spTree>
+    <dsp:nvGrpSpPr>
+      <dsp:cNvPr id="0" name=""/>
+      <dsp:cNvGrpSpPr/>
+    </dsp:nvGrpSpPr>
+    <dsp:grpSpPr/>
+    <dsp:sp modelId="{E04757BA-7EE2-4B0D-B663-0519B169FE22}">
+      <dsp:nvSpPr>
+        <dsp:cNvPr id="0" name=""/>
+        <dsp:cNvSpPr/>
+      </dsp:nvSpPr>
+      <dsp:spPr>
+        <a:xfrm>
+          <a:off x="7143" y="2068777"/>
+          <a:ext cx="2135187" cy="1281112"/>
+        </a:xfrm>
+        <a:prstGeom prst="roundRect">
+          <a:avLst>
+            <a:gd name="adj" fmla="val 10000"/>
+          </a:avLst>
+        </a:prstGeom>
+        <a:solidFill>
+          <a:schemeClr val="accent1">
+            <a:hueOff val="0"/>
+            <a:satOff val="0"/>
+            <a:lumOff val="0"/>
+            <a:alphaOff val="0"/>
+          </a:schemeClr>
+        </a:solidFill>
+        <a:ln w="19050" cap="flat" cmpd="sng" algn="ctr">
+          <a:solidFill>
+            <a:schemeClr val="lt1">
+              <a:hueOff val="0"/>
+              <a:satOff val="0"/>
+              <a:lumOff val="0"/>
+              <a:alphaOff val="0"/>
+            </a:schemeClr>
+          </a:solidFill>
+          <a:prstDash val="solid"/>
+          <a:miter lim="800000"/>
+        </a:ln>
+        <a:effectLst/>
+      </dsp:spPr>
+      <dsp:style>
+        <a:lnRef idx="2">
+          <a:scrgbClr r="0" g="0" b="0"/>
+        </a:lnRef>
+        <a:fillRef idx="1">
+          <a:scrgbClr r="0" g="0" b="0"/>
+        </a:fillRef>
+        <a:effectRef idx="0">
+          <a:scrgbClr r="0" g="0" b="0"/>
+        </a:effectRef>
+        <a:fontRef idx="minor">
+          <a:schemeClr val="lt1"/>
+        </a:fontRef>
+      </dsp:style>
+      <dsp:txBody>
+        <a:bodyPr spcFirstLastPara="0" vert="horz" wrap="square" lIns="110490" tIns="110490" rIns="110490" bIns="110490" numCol="1" spcCol="1270" anchor="ctr" anchorCtr="0">
+          <a:noAutofit/>
+        </a:bodyPr>
+        <a:lstStyle/>
+        <a:p>
+          <a:pPr marL="0" lvl="0" indent="0" algn="ctr" defTabSz="1289050">
+            <a:lnSpc>
+              <a:spcPct val="90000"/>
+            </a:lnSpc>
+            <a:spcBef>
+              <a:spcPct val="0"/>
+            </a:spcBef>
+            <a:spcAft>
+              <a:spcPct val="35000"/>
+            </a:spcAft>
+            <a:buNone/>
+          </a:pPr>
+          <a:r>
+            <a:rPr lang="en-US" sz="2900" kern="1200" dirty="0" err="1"/>
+            <a:t>Validasi</a:t>
+          </a:r>
+          <a:endParaRPr lang="en-ID" sz="2900" kern="1200" dirty="0"/>
+        </a:p>
+      </dsp:txBody>
+      <dsp:txXfrm>
+        <a:off x="44665" y="2106299"/>
+        <a:ext cx="2060143" cy="1206068"/>
+      </dsp:txXfrm>
+    </dsp:sp>
+    <dsp:sp modelId="{D193EA34-5792-4E6F-99E8-32C598C7BDE3}">
+      <dsp:nvSpPr>
+        <dsp:cNvPr id="0" name=""/>
+        <dsp:cNvSpPr/>
+      </dsp:nvSpPr>
+      <dsp:spPr>
+        <a:xfrm>
+          <a:off x="2355850" y="2444570"/>
+          <a:ext cx="452659" cy="529526"/>
+        </a:xfrm>
+        <a:prstGeom prst="rightArrow">
+          <a:avLst>
+            <a:gd name="adj1" fmla="val 60000"/>
+            <a:gd name="adj2" fmla="val 50000"/>
+          </a:avLst>
+        </a:prstGeom>
+        <a:solidFill>
+          <a:schemeClr val="accent1">
+            <a:tint val="60000"/>
+            <a:hueOff val="0"/>
+            <a:satOff val="0"/>
+            <a:lumOff val="0"/>
+            <a:alphaOff val="0"/>
+          </a:schemeClr>
+        </a:solidFill>
+        <a:ln>
+          <a:noFill/>
+        </a:ln>
+        <a:effectLst/>
+      </dsp:spPr>
+      <dsp:style>
+        <a:lnRef idx="0">
+          <a:scrgbClr r="0" g="0" b="0"/>
+        </a:lnRef>
+        <a:fillRef idx="1">
+          <a:scrgbClr r="0" g="0" b="0"/>
+        </a:fillRef>
+        <a:effectRef idx="0">
+          <a:scrgbClr r="0" g="0" b="0"/>
+        </a:effectRef>
+        <a:fontRef idx="minor">
+          <a:schemeClr val="lt1"/>
+        </a:fontRef>
+      </dsp:style>
+      <dsp:txBody>
+        <a:bodyPr spcFirstLastPara="0" vert="horz" wrap="square" lIns="0" tIns="0" rIns="0" bIns="0" numCol="1" spcCol="1270" anchor="ctr" anchorCtr="0">
+          <a:noAutofit/>
+        </a:bodyPr>
+        <a:lstStyle/>
+        <a:p>
+          <a:pPr marL="0" lvl="0" indent="0" algn="ctr" defTabSz="977900">
+            <a:lnSpc>
+              <a:spcPct val="90000"/>
+            </a:lnSpc>
+            <a:spcBef>
+              <a:spcPct val="0"/>
+            </a:spcBef>
+            <a:spcAft>
+              <a:spcPct val="35000"/>
+            </a:spcAft>
+            <a:buNone/>
+          </a:pPr>
+          <a:endParaRPr lang="en-ID" sz="2200" kern="1200"/>
+        </a:p>
+      </dsp:txBody>
+      <dsp:txXfrm>
+        <a:off x="2355850" y="2550475"/>
+        <a:ext cx="316861" cy="317716"/>
+      </dsp:txXfrm>
+    </dsp:sp>
+    <dsp:sp modelId="{D3202BE1-0BC5-4B2D-94E8-2B09150D96B0}">
+      <dsp:nvSpPr>
+        <dsp:cNvPr id="0" name=""/>
+        <dsp:cNvSpPr/>
+      </dsp:nvSpPr>
+      <dsp:spPr>
+        <a:xfrm>
+          <a:off x="2996406" y="2068777"/>
+          <a:ext cx="2135187" cy="1281112"/>
+        </a:xfrm>
+        <a:prstGeom prst="roundRect">
+          <a:avLst>
+            <a:gd name="adj" fmla="val 10000"/>
+          </a:avLst>
+        </a:prstGeom>
+        <a:solidFill>
+          <a:schemeClr val="accent1">
+            <a:hueOff val="0"/>
+            <a:satOff val="0"/>
+            <a:lumOff val="0"/>
+            <a:alphaOff val="0"/>
+          </a:schemeClr>
+        </a:solidFill>
+        <a:ln w="19050" cap="flat" cmpd="sng" algn="ctr">
+          <a:solidFill>
+            <a:schemeClr val="lt1">
+              <a:hueOff val="0"/>
+              <a:satOff val="0"/>
+              <a:lumOff val="0"/>
+              <a:alphaOff val="0"/>
+            </a:schemeClr>
+          </a:solidFill>
+          <a:prstDash val="solid"/>
+          <a:miter lim="800000"/>
+        </a:ln>
+        <a:effectLst/>
+      </dsp:spPr>
+      <dsp:style>
+        <a:lnRef idx="2">
+          <a:scrgbClr r="0" g="0" b="0"/>
+        </a:lnRef>
+        <a:fillRef idx="1">
+          <a:scrgbClr r="0" g="0" b="0"/>
+        </a:fillRef>
+        <a:effectRef idx="0">
+          <a:scrgbClr r="0" g="0" b="0"/>
+        </a:effectRef>
+        <a:fontRef idx="minor">
+          <a:schemeClr val="lt1"/>
+        </a:fontRef>
+      </dsp:style>
+      <dsp:txBody>
+        <a:bodyPr spcFirstLastPara="0" vert="horz" wrap="square" lIns="110490" tIns="110490" rIns="110490" bIns="110490" numCol="1" spcCol="1270" anchor="ctr" anchorCtr="0">
+          <a:noAutofit/>
+        </a:bodyPr>
+        <a:lstStyle/>
+        <a:p>
+          <a:pPr marL="0" lvl="0" indent="0" algn="ctr" defTabSz="1289050">
+            <a:lnSpc>
+              <a:spcPct val="90000"/>
+            </a:lnSpc>
+            <a:spcBef>
+              <a:spcPct val="0"/>
+            </a:spcBef>
+            <a:spcAft>
+              <a:spcPct val="35000"/>
+            </a:spcAft>
+            <a:buNone/>
+          </a:pPr>
+          <a:r>
+            <a:rPr lang="en-US" sz="2900" kern="1200" dirty="0" err="1"/>
+            <a:t>Replikasi</a:t>
+          </a:r>
+          <a:endParaRPr lang="en-ID" sz="2900" kern="1200" dirty="0"/>
+        </a:p>
+      </dsp:txBody>
+      <dsp:txXfrm>
+        <a:off x="3033928" y="2106299"/>
+        <a:ext cx="2060143" cy="1206068"/>
+      </dsp:txXfrm>
+    </dsp:sp>
+    <dsp:sp modelId="{8C00A0AA-474A-4490-80CB-4CC5B3C972DB}">
+      <dsp:nvSpPr>
+        <dsp:cNvPr id="0" name=""/>
+        <dsp:cNvSpPr/>
+      </dsp:nvSpPr>
+      <dsp:spPr>
+        <a:xfrm>
+          <a:off x="5345112" y="2444570"/>
+          <a:ext cx="452659" cy="529526"/>
+        </a:xfrm>
+        <a:prstGeom prst="rightArrow">
+          <a:avLst>
+            <a:gd name="adj1" fmla="val 60000"/>
+            <a:gd name="adj2" fmla="val 50000"/>
+          </a:avLst>
+        </a:prstGeom>
+        <a:solidFill>
+          <a:schemeClr val="accent1">
+            <a:tint val="60000"/>
+            <a:hueOff val="0"/>
+            <a:satOff val="0"/>
+            <a:lumOff val="0"/>
+            <a:alphaOff val="0"/>
+          </a:schemeClr>
+        </a:solidFill>
+        <a:ln>
+          <a:noFill/>
+        </a:ln>
+        <a:effectLst/>
+      </dsp:spPr>
+      <dsp:style>
+        <a:lnRef idx="0">
+          <a:scrgbClr r="0" g="0" b="0"/>
+        </a:lnRef>
+        <a:fillRef idx="1">
+          <a:scrgbClr r="0" g="0" b="0"/>
+        </a:fillRef>
+        <a:effectRef idx="0">
+          <a:scrgbClr r="0" g="0" b="0"/>
+        </a:effectRef>
+        <a:fontRef idx="minor">
+          <a:schemeClr val="lt1"/>
+        </a:fontRef>
+      </dsp:style>
+      <dsp:txBody>
+        <a:bodyPr spcFirstLastPara="0" vert="horz" wrap="square" lIns="0" tIns="0" rIns="0" bIns="0" numCol="1" spcCol="1270" anchor="ctr" anchorCtr="0">
+          <a:noAutofit/>
+        </a:bodyPr>
+        <a:lstStyle/>
+        <a:p>
+          <a:pPr marL="0" lvl="0" indent="0" algn="ctr" defTabSz="977900">
+            <a:lnSpc>
+              <a:spcPct val="90000"/>
+            </a:lnSpc>
+            <a:spcBef>
+              <a:spcPct val="0"/>
+            </a:spcBef>
+            <a:spcAft>
+              <a:spcPct val="35000"/>
+            </a:spcAft>
+            <a:buNone/>
+          </a:pPr>
+          <a:endParaRPr lang="en-ID" sz="2200" kern="1200"/>
+        </a:p>
+      </dsp:txBody>
+      <dsp:txXfrm>
+        <a:off x="5345112" y="2550475"/>
+        <a:ext cx="316861" cy="317716"/>
+      </dsp:txXfrm>
+    </dsp:sp>
+    <dsp:sp modelId="{3FC4F9E4-AD56-4093-882C-263EB9194078}">
+      <dsp:nvSpPr>
+        <dsp:cNvPr id="0" name=""/>
+        <dsp:cNvSpPr/>
+      </dsp:nvSpPr>
+      <dsp:spPr>
+        <a:xfrm>
+          <a:off x="5985668" y="2068777"/>
+          <a:ext cx="2135187" cy="1281112"/>
+        </a:xfrm>
+        <a:prstGeom prst="roundRect">
+          <a:avLst>
+            <a:gd name="adj" fmla="val 10000"/>
+          </a:avLst>
+        </a:prstGeom>
+        <a:solidFill>
+          <a:schemeClr val="accent1">
+            <a:hueOff val="0"/>
+            <a:satOff val="0"/>
+            <a:lumOff val="0"/>
+            <a:alphaOff val="0"/>
+          </a:schemeClr>
+        </a:solidFill>
+        <a:ln w="19050" cap="flat" cmpd="sng" algn="ctr">
+          <a:solidFill>
+            <a:schemeClr val="lt1">
+              <a:hueOff val="0"/>
+              <a:satOff val="0"/>
+              <a:lumOff val="0"/>
+              <a:alphaOff val="0"/>
+            </a:schemeClr>
+          </a:solidFill>
+          <a:prstDash val="solid"/>
+          <a:miter lim="800000"/>
+        </a:ln>
+        <a:effectLst/>
+      </dsp:spPr>
+      <dsp:style>
+        <a:lnRef idx="2">
+          <a:scrgbClr r="0" g="0" b="0"/>
+        </a:lnRef>
+        <a:fillRef idx="1">
+          <a:scrgbClr r="0" g="0" b="0"/>
+        </a:fillRef>
+        <a:effectRef idx="0">
+          <a:scrgbClr r="0" g="0" b="0"/>
+        </a:effectRef>
+        <a:fontRef idx="minor">
+          <a:schemeClr val="lt1"/>
+        </a:fontRef>
+      </dsp:style>
+      <dsp:txBody>
+        <a:bodyPr spcFirstLastPara="0" vert="horz" wrap="square" lIns="110490" tIns="110490" rIns="110490" bIns="110490" numCol="1" spcCol="1270" anchor="ctr" anchorCtr="0">
+          <a:noAutofit/>
+        </a:bodyPr>
+        <a:lstStyle/>
+        <a:p>
+          <a:pPr marL="0" lvl="0" indent="0" algn="ctr" defTabSz="1289050">
+            <a:lnSpc>
+              <a:spcPct val="90000"/>
+            </a:lnSpc>
+            <a:spcBef>
+              <a:spcPct val="0"/>
+            </a:spcBef>
+            <a:spcAft>
+              <a:spcPct val="35000"/>
+            </a:spcAft>
+            <a:buNone/>
+          </a:pPr>
+          <a:r>
+            <a:rPr lang="en-ID" sz="2900" kern="1200" dirty="0" err="1"/>
+            <a:t>Pencatatan</a:t>
+          </a:r>
+          <a:endParaRPr lang="en-ID" sz="2900" kern="1200" dirty="0"/>
+        </a:p>
+      </dsp:txBody>
+      <dsp:txXfrm>
+        <a:off x="6023190" y="2106299"/>
+        <a:ext cx="2060143" cy="1206068"/>
+      </dsp:txXfrm>
+    </dsp:sp>
+  </dsp:spTree>
+</dsp:drawing>
+</file>
+
 <file path=ppt/diagrams/layout1.xml><?xml version="1.0" encoding="utf-8"?>
 <dgm:layoutDef xmlns:dgm="http://schemas.openxmlformats.org/drawingml/2006/diagram" xmlns:a="http://schemas.openxmlformats.org/drawingml/2006/main" uniqueId="urn:microsoft.com/office/officeart/2005/8/layout/process3">
   <dgm:title val=""/>
@@ -2723,7 +4063,1187 @@
 </dgm:layoutDef>
 </file>
 
+<file path=ppt/diagrams/layout2.xml><?xml version="1.0" encoding="utf-8"?>
+<dgm:layoutDef xmlns:dgm="http://schemas.openxmlformats.org/drawingml/2006/diagram" xmlns:a="http://schemas.openxmlformats.org/drawingml/2006/main" uniqueId="urn:microsoft.com/office/officeart/2005/8/layout/process1">
+  <dgm:title val=""/>
+  <dgm:desc val=""/>
+  <dgm:catLst>
+    <dgm:cat type="process" pri="1000"/>
+    <dgm:cat type="convert" pri="15000"/>
+  </dgm:catLst>
+  <dgm:sampData useDef="1">
+    <dgm:dataModel>
+      <dgm:ptLst/>
+      <dgm:bg/>
+      <dgm:whole/>
+    </dgm:dataModel>
+  </dgm:sampData>
+  <dgm:styleData>
+    <dgm:dataModel>
+      <dgm:ptLst>
+        <dgm:pt modelId="0" type="doc"/>
+        <dgm:pt modelId="1"/>
+        <dgm:pt modelId="2"/>
+      </dgm:ptLst>
+      <dgm:cxnLst>
+        <dgm:cxn modelId="3" srcId="0" destId="1" srcOrd="0" destOrd="0"/>
+        <dgm:cxn modelId="4" srcId="0" destId="2" srcOrd="1" destOrd="0"/>
+      </dgm:cxnLst>
+      <dgm:bg/>
+      <dgm:whole/>
+    </dgm:dataModel>
+  </dgm:styleData>
+  <dgm:clrData>
+    <dgm:dataModel>
+      <dgm:ptLst>
+        <dgm:pt modelId="0" type="doc"/>
+        <dgm:pt modelId="1"/>
+        <dgm:pt modelId="2"/>
+        <dgm:pt modelId="3"/>
+        <dgm:pt modelId="4"/>
+      </dgm:ptLst>
+      <dgm:cxnLst>
+        <dgm:cxn modelId="5" srcId="0" destId="1" srcOrd="0" destOrd="0"/>
+        <dgm:cxn modelId="6" srcId="0" destId="2" srcOrd="1" destOrd="0"/>
+        <dgm:cxn modelId="7" srcId="0" destId="3" srcOrd="2" destOrd="0"/>
+        <dgm:cxn modelId="8" srcId="0" destId="4" srcOrd="3" destOrd="0"/>
+      </dgm:cxnLst>
+      <dgm:bg/>
+      <dgm:whole/>
+    </dgm:dataModel>
+  </dgm:clrData>
+  <dgm:layoutNode name="Name0">
+    <dgm:varLst>
+      <dgm:dir/>
+      <dgm:resizeHandles val="exact"/>
+    </dgm:varLst>
+    <dgm:choose name="Name1">
+      <dgm:if name="Name2" func="var" arg="dir" op="equ" val="norm">
+        <dgm:alg type="lin"/>
+      </dgm:if>
+      <dgm:else name="Name3">
+        <dgm:alg type="lin">
+          <dgm:param type="linDir" val="fromR"/>
+        </dgm:alg>
+      </dgm:else>
+    </dgm:choose>
+    <dgm:shape xmlns:r="http://schemas.openxmlformats.org/officeDocument/2006/relationships" r:blip="">
+      <dgm:adjLst/>
+    </dgm:shape>
+    <dgm:presOf/>
+    <dgm:constrLst>
+      <dgm:constr type="w" for="ch" ptType="node" refType="w"/>
+      <dgm:constr type="h" for="ch" ptType="node" op="equ"/>
+      <dgm:constr type="primFontSz" for="ch" ptType="node" op="equ" val="65"/>
+      <dgm:constr type="w" for="ch" ptType="sibTrans" refType="w" refFor="ch" refPtType="node" op="equ" fact="0.4"/>
+      <dgm:constr type="h" for="ch" ptType="sibTrans" op="equ"/>
+      <dgm:constr type="primFontSz" for="des" forName="connectorText" op="equ" val="55"/>
+      <dgm:constr type="primFontSz" for="des" forName="connectorText" refType="primFontSz" refFor="ch" refPtType="node" op="lte" fact="0.8"/>
+    </dgm:constrLst>
+    <dgm:ruleLst/>
+    <dgm:forEach name="nodesForEach" axis="ch" ptType="node">
+      <dgm:layoutNode name="node">
+        <dgm:varLst>
+          <dgm:bulletEnabled val="1"/>
+        </dgm:varLst>
+        <dgm:alg type="tx"/>
+        <dgm:shape xmlns:r="http://schemas.openxmlformats.org/officeDocument/2006/relationships" type="roundRect" r:blip="">
+          <dgm:adjLst>
+            <dgm:adj idx="1" val="0.1"/>
+          </dgm:adjLst>
+        </dgm:shape>
+        <dgm:presOf axis="desOrSelf" ptType="node"/>
+        <dgm:constrLst>
+          <dgm:constr type="h" refType="w" fact="0.6"/>
+          <dgm:constr type="tMarg" refType="primFontSz" fact="0.3"/>
+          <dgm:constr type="bMarg" refType="primFontSz" fact="0.3"/>
+          <dgm:constr type="lMarg" refType="primFontSz" fact="0.3"/>
+          <dgm:constr type="rMarg" refType="primFontSz" fact="0.3"/>
+        </dgm:constrLst>
+        <dgm:ruleLst>
+          <dgm:rule type="primFontSz" val="18" fact="NaN" max="NaN"/>
+          <dgm:rule type="h" val="NaN" fact="1.5" max="NaN"/>
+          <dgm:rule type="primFontSz" val="5" fact="NaN" max="NaN"/>
+          <dgm:rule type="h" val="INF" fact="NaN" max="NaN"/>
+        </dgm:ruleLst>
+      </dgm:layoutNode>
+      <dgm:forEach name="sibTransForEach" axis="followSib" ptType="sibTrans" cnt="1">
+        <dgm:layoutNode name="sibTrans">
+          <dgm:alg type="conn">
+            <dgm:param type="begPts" val="auto"/>
+            <dgm:param type="endPts" val="auto"/>
+          </dgm:alg>
+          <dgm:shape xmlns:r="http://schemas.openxmlformats.org/officeDocument/2006/relationships" type="conn" r:blip="">
+            <dgm:adjLst/>
+          </dgm:shape>
+          <dgm:presOf axis="self"/>
+          <dgm:constrLst>
+            <dgm:constr type="h" refType="w" fact="0.62"/>
+            <dgm:constr type="connDist"/>
+            <dgm:constr type="begPad" refType="connDist" fact="0.25"/>
+            <dgm:constr type="endPad" refType="connDist" fact="0.22"/>
+          </dgm:constrLst>
+          <dgm:ruleLst/>
+          <dgm:layoutNode name="connectorText">
+            <dgm:alg type="tx">
+              <dgm:param type="autoTxRot" val="grav"/>
+            </dgm:alg>
+            <dgm:shape xmlns:r="http://schemas.openxmlformats.org/officeDocument/2006/relationships" type="conn" r:blip="" hideGeom="1">
+              <dgm:adjLst/>
+            </dgm:shape>
+            <dgm:presOf axis="self"/>
+            <dgm:constrLst>
+              <dgm:constr type="lMarg"/>
+              <dgm:constr type="rMarg"/>
+              <dgm:constr type="tMarg"/>
+              <dgm:constr type="bMarg"/>
+            </dgm:constrLst>
+            <dgm:ruleLst>
+              <dgm:rule type="primFontSz" val="5" fact="NaN" max="NaN"/>
+            </dgm:ruleLst>
+          </dgm:layoutNode>
+        </dgm:layoutNode>
+      </dgm:forEach>
+    </dgm:forEach>
+  </dgm:layoutNode>
+</dgm:layoutDef>
+</file>
+
 <file path=ppt/diagrams/quickStyle1.xml><?xml version="1.0" encoding="utf-8"?>
+<dgm:styleDef xmlns:dgm="http://schemas.openxmlformats.org/drawingml/2006/diagram" xmlns:a="http://schemas.openxmlformats.org/drawingml/2006/main" uniqueId="urn:microsoft.com/office/officeart/2005/8/quickstyle/simple1">
+  <dgm:title val=""/>
+  <dgm:desc val=""/>
+  <dgm:catLst>
+    <dgm:cat type="simple" pri="10100"/>
+  </dgm:catLst>
+  <dgm:scene3d>
+    <a:camera prst="orthographicFront"/>
+    <a:lightRig rig="threePt" dir="t"/>
+  </dgm:scene3d>
+  <dgm:styleLbl name="node0">
+    <dgm:scene3d>
+      <a:camera prst="orthographicFront"/>
+      <a:lightRig rig="threePt" dir="t"/>
+    </dgm:scene3d>
+    <dgm:sp3d/>
+    <dgm:txPr/>
+    <dgm:style>
+      <a:lnRef idx="2">
+        <a:scrgbClr r="0" g="0" b="0"/>
+      </a:lnRef>
+      <a:fillRef idx="1">
+        <a:scrgbClr r="0" g="0" b="0"/>
+      </a:fillRef>
+      <a:effectRef idx="0">
+        <a:scrgbClr r="0" g="0" b="0"/>
+      </a:effectRef>
+      <a:fontRef idx="minor">
+        <a:schemeClr val="lt1"/>
+      </a:fontRef>
+    </dgm:style>
+  </dgm:styleLbl>
+  <dgm:styleLbl name="lnNode1">
+    <dgm:scene3d>
+      <a:camera prst="orthographicFront"/>
+      <a:lightRig rig="threePt" dir="t"/>
+    </dgm:scene3d>
+    <dgm:sp3d/>
+    <dgm:txPr/>
+    <dgm:style>
+      <a:lnRef idx="2">
+        <a:scrgbClr r="0" g="0" b="0"/>
+      </a:lnRef>
+      <a:fillRef idx="1">
+        <a:scrgbClr r="0" g="0" b="0"/>
+      </a:fillRef>
+      <a:effectRef idx="0">
+        <a:scrgbClr r="0" g="0" b="0"/>
+      </a:effectRef>
+      <a:fontRef idx="minor">
+        <a:schemeClr val="lt1"/>
+      </a:fontRef>
+    </dgm:style>
+  </dgm:styleLbl>
+  <dgm:styleLbl name="vennNode1">
+    <dgm:scene3d>
+      <a:camera prst="orthographicFront"/>
+      <a:lightRig rig="threePt" dir="t"/>
+    </dgm:scene3d>
+    <dgm:sp3d/>
+    <dgm:txPr/>
+    <dgm:style>
+      <a:lnRef idx="2">
+        <a:scrgbClr r="0" g="0" b="0"/>
+      </a:lnRef>
+      <a:fillRef idx="1">
+        <a:scrgbClr r="0" g="0" b="0"/>
+      </a:fillRef>
+      <a:effectRef idx="0">
+        <a:scrgbClr r="0" g="0" b="0"/>
+      </a:effectRef>
+      <a:fontRef idx="minor">
+        <a:schemeClr val="tx1"/>
+      </a:fontRef>
+    </dgm:style>
+  </dgm:styleLbl>
+  <dgm:styleLbl name="alignNode1">
+    <dgm:scene3d>
+      <a:camera prst="orthographicFront"/>
+      <a:lightRig rig="threePt" dir="t"/>
+    </dgm:scene3d>
+    <dgm:sp3d/>
+    <dgm:txPr/>
+    <dgm:style>
+      <a:lnRef idx="2">
+        <a:scrgbClr r="0" g="0" b="0"/>
+      </a:lnRef>
+      <a:fillRef idx="1">
+        <a:scrgbClr r="0" g="0" b="0"/>
+      </a:fillRef>
+      <a:effectRef idx="0">
+        <a:scrgbClr r="0" g="0" b="0"/>
+      </a:effectRef>
+      <a:fontRef idx="minor">
+        <a:schemeClr val="lt1"/>
+      </a:fontRef>
+    </dgm:style>
+  </dgm:styleLbl>
+  <dgm:styleLbl name="node1">
+    <dgm:scene3d>
+      <a:camera prst="orthographicFront"/>
+      <a:lightRig rig="threePt" dir="t"/>
+    </dgm:scene3d>
+    <dgm:sp3d/>
+    <dgm:txPr/>
+    <dgm:style>
+      <a:lnRef idx="2">
+        <a:scrgbClr r="0" g="0" b="0"/>
+      </a:lnRef>
+      <a:fillRef idx="1">
+        <a:scrgbClr r="0" g="0" b="0"/>
+      </a:fillRef>
+      <a:effectRef idx="0">
+        <a:scrgbClr r="0" g="0" b="0"/>
+      </a:effectRef>
+      <a:fontRef idx="minor">
+        <a:schemeClr val="lt1"/>
+      </a:fontRef>
+    </dgm:style>
+  </dgm:styleLbl>
+  <dgm:styleLbl name="node2">
+    <dgm:scene3d>
+      <a:camera prst="orthographicFront"/>
+      <a:lightRig rig="threePt" dir="t"/>
+    </dgm:scene3d>
+    <dgm:sp3d/>
+    <dgm:txPr/>
+    <dgm:style>
+      <a:lnRef idx="2">
+        <a:scrgbClr r="0" g="0" b="0"/>
+      </a:lnRef>
+      <a:fillRef idx="1">
+        <a:scrgbClr r="0" g="0" b="0"/>
+      </a:fillRef>
+      <a:effectRef idx="0">
+        <a:scrgbClr r="0" g="0" b="0"/>
+      </a:effectRef>
+      <a:fontRef idx="minor">
+        <a:schemeClr val="lt1"/>
+      </a:fontRef>
+    </dgm:style>
+  </dgm:styleLbl>
+  <dgm:styleLbl name="node3">
+    <dgm:scene3d>
+      <a:camera prst="orthographicFront"/>
+      <a:lightRig rig="threePt" dir="t"/>
+    </dgm:scene3d>
+    <dgm:sp3d/>
+    <dgm:txPr/>
+    <dgm:style>
+      <a:lnRef idx="2">
+        <a:scrgbClr r="0" g="0" b="0"/>
+      </a:lnRef>
+      <a:fillRef idx="1">
+        <a:scrgbClr r="0" g="0" b="0"/>
+      </a:fillRef>
+      <a:effectRef idx="0">
+        <a:scrgbClr r="0" g="0" b="0"/>
+      </a:effectRef>
+      <a:fontRef idx="minor">
+        <a:schemeClr val="lt1"/>
+      </a:fontRef>
+    </dgm:style>
+  </dgm:styleLbl>
+  <dgm:styleLbl name="node4">
+    <dgm:scene3d>
+      <a:camera prst="orthographicFront"/>
+      <a:lightRig rig="threePt" dir="t"/>
+    </dgm:scene3d>
+    <dgm:sp3d/>
+    <dgm:txPr/>
+    <dgm:style>
+      <a:lnRef idx="2">
+        <a:scrgbClr r="0" g="0" b="0"/>
+      </a:lnRef>
+      <a:fillRef idx="1">
+        <a:scrgbClr r="0" g="0" b="0"/>
+      </a:fillRef>
+      <a:effectRef idx="0">
+        <a:scrgbClr r="0" g="0" b="0"/>
+      </a:effectRef>
+      <a:fontRef idx="minor">
+        <a:schemeClr val="lt1"/>
+      </a:fontRef>
+    </dgm:style>
+  </dgm:styleLbl>
+  <dgm:styleLbl name="fgImgPlace1">
+    <dgm:scene3d>
+      <a:camera prst="orthographicFront"/>
+      <a:lightRig rig="threePt" dir="t"/>
+    </dgm:scene3d>
+    <dgm:sp3d/>
+    <dgm:txPr/>
+    <dgm:style>
+      <a:lnRef idx="2">
+        <a:scrgbClr r="0" g="0" b="0"/>
+      </a:lnRef>
+      <a:fillRef idx="1">
+        <a:scrgbClr r="0" g="0" b="0"/>
+      </a:fillRef>
+      <a:effectRef idx="0">
+        <a:scrgbClr r="0" g="0" b="0"/>
+      </a:effectRef>
+      <a:fontRef idx="minor"/>
+    </dgm:style>
+  </dgm:styleLbl>
+  <dgm:styleLbl name="alignImgPlace1">
+    <dgm:scene3d>
+      <a:camera prst="orthographicFront"/>
+      <a:lightRig rig="threePt" dir="t"/>
+    </dgm:scene3d>
+    <dgm:sp3d/>
+    <dgm:txPr/>
+    <dgm:style>
+      <a:lnRef idx="2">
+        <a:scrgbClr r="0" g="0" b="0"/>
+      </a:lnRef>
+      <a:fillRef idx="1">
+        <a:scrgbClr r="0" g="0" b="0"/>
+      </a:fillRef>
+      <a:effectRef idx="0">
+        <a:scrgbClr r="0" g="0" b="0"/>
+      </a:effectRef>
+      <a:fontRef idx="minor"/>
+    </dgm:style>
+  </dgm:styleLbl>
+  <dgm:styleLbl name="bgImgPlace1">
+    <dgm:scene3d>
+      <a:camera prst="orthographicFront"/>
+      <a:lightRig rig="threePt" dir="t"/>
+    </dgm:scene3d>
+    <dgm:sp3d/>
+    <dgm:txPr/>
+    <dgm:style>
+      <a:lnRef idx="2">
+        <a:scrgbClr r="0" g="0" b="0"/>
+      </a:lnRef>
+      <a:fillRef idx="1">
+        <a:scrgbClr r="0" g="0" b="0"/>
+      </a:fillRef>
+      <a:effectRef idx="0">
+        <a:scrgbClr r="0" g="0" b="0"/>
+      </a:effectRef>
+      <a:fontRef idx="minor"/>
+    </dgm:style>
+  </dgm:styleLbl>
+  <dgm:styleLbl name="sibTrans2D1">
+    <dgm:scene3d>
+      <a:camera prst="orthographicFront"/>
+      <a:lightRig rig="threePt" dir="t"/>
+    </dgm:scene3d>
+    <dgm:sp3d/>
+    <dgm:txPr/>
+    <dgm:style>
+      <a:lnRef idx="0">
+        <a:scrgbClr r="0" g="0" b="0"/>
+      </a:lnRef>
+      <a:fillRef idx="1">
+        <a:scrgbClr r="0" g="0" b="0"/>
+      </a:fillRef>
+      <a:effectRef idx="0">
+        <a:scrgbClr r="0" g="0" b="0"/>
+      </a:effectRef>
+      <a:fontRef idx="minor">
+        <a:schemeClr val="lt1"/>
+      </a:fontRef>
+    </dgm:style>
+  </dgm:styleLbl>
+  <dgm:styleLbl name="fgSibTrans2D1">
+    <dgm:scene3d>
+      <a:camera prst="orthographicFront"/>
+      <a:lightRig rig="threePt" dir="t"/>
+    </dgm:scene3d>
+    <dgm:sp3d/>
+    <dgm:txPr/>
+    <dgm:style>
+      <a:lnRef idx="0">
+        <a:scrgbClr r="0" g="0" b="0"/>
+      </a:lnRef>
+      <a:fillRef idx="1">
+        <a:scrgbClr r="0" g="0" b="0"/>
+      </a:fillRef>
+      <a:effectRef idx="0">
+        <a:scrgbClr r="0" g="0" b="0"/>
+      </a:effectRef>
+      <a:fontRef idx="minor">
+        <a:schemeClr val="lt1"/>
+      </a:fontRef>
+    </dgm:style>
+  </dgm:styleLbl>
+  <dgm:styleLbl name="bgSibTrans2D1">
+    <dgm:scene3d>
+      <a:camera prst="orthographicFront"/>
+      <a:lightRig rig="threePt" dir="t"/>
+    </dgm:scene3d>
+    <dgm:sp3d/>
+    <dgm:txPr/>
+    <dgm:style>
+      <a:lnRef idx="0">
+        <a:scrgbClr r="0" g="0" b="0"/>
+      </a:lnRef>
+      <a:fillRef idx="1">
+        <a:scrgbClr r="0" g="0" b="0"/>
+      </a:fillRef>
+      <a:effectRef idx="0">
+        <a:scrgbClr r="0" g="0" b="0"/>
+      </a:effectRef>
+      <a:fontRef idx="minor">
+        <a:schemeClr val="lt1"/>
+      </a:fontRef>
+    </dgm:style>
+  </dgm:styleLbl>
+  <dgm:styleLbl name="sibTrans1D1">
+    <dgm:scene3d>
+      <a:camera prst="orthographicFront"/>
+      <a:lightRig rig="threePt" dir="t"/>
+    </dgm:scene3d>
+    <dgm:sp3d/>
+    <dgm:txPr/>
+    <dgm:style>
+      <a:lnRef idx="1">
+        <a:scrgbClr r="0" g="0" b="0"/>
+      </a:lnRef>
+      <a:fillRef idx="0">
+        <a:scrgbClr r="0" g="0" b="0"/>
+      </a:fillRef>
+      <a:effectRef idx="0">
+        <a:scrgbClr r="0" g="0" b="0"/>
+      </a:effectRef>
+      <a:fontRef idx="minor"/>
+    </dgm:style>
+  </dgm:styleLbl>
+  <dgm:styleLbl name="callout">
+    <dgm:scene3d>
+      <a:camera prst="orthographicFront"/>
+      <a:lightRig rig="threePt" dir="t"/>
+    </dgm:scene3d>
+    <dgm:sp3d/>
+    <dgm:txPr/>
+    <dgm:style>
+      <a:lnRef idx="2">
+        <a:scrgbClr r="0" g="0" b="0"/>
+      </a:lnRef>
+      <a:fillRef idx="1">
+        <a:scrgbClr r="0" g="0" b="0"/>
+      </a:fillRef>
+      <a:effectRef idx="0">
+        <a:scrgbClr r="0" g="0" b="0"/>
+      </a:effectRef>
+      <a:fontRef idx="minor"/>
+    </dgm:style>
+  </dgm:styleLbl>
+  <dgm:styleLbl name="asst0">
+    <dgm:scene3d>
+      <a:camera prst="orthographicFront"/>
+      <a:lightRig rig="threePt" dir="t"/>
+    </dgm:scene3d>
+    <dgm:sp3d/>
+    <dgm:txPr/>
+    <dgm:style>
+      <a:lnRef idx="2">
+        <a:scrgbClr r="0" g="0" b="0"/>
+      </a:lnRef>
+      <a:fillRef idx="1">
+        <a:scrgbClr r="0" g="0" b="0"/>
+      </a:fillRef>
+      <a:effectRef idx="0">
+        <a:scrgbClr r="0" g="0" b="0"/>
+      </a:effectRef>
+      <a:fontRef idx="minor">
+        <a:schemeClr val="lt1"/>
+      </a:fontRef>
+    </dgm:style>
+  </dgm:styleLbl>
+  <dgm:styleLbl name="asst1">
+    <dgm:scene3d>
+      <a:camera prst="orthographicFront"/>
+      <a:lightRig rig="threePt" dir="t"/>
+    </dgm:scene3d>
+    <dgm:sp3d/>
+    <dgm:txPr/>
+    <dgm:style>
+      <a:lnRef idx="2">
+        <a:scrgbClr r="0" g="0" b="0"/>
+      </a:lnRef>
+      <a:fillRef idx="1">
+        <a:scrgbClr r="0" g="0" b="0"/>
+      </a:fillRef>
+      <a:effectRef idx="0">
+        <a:scrgbClr r="0" g="0" b="0"/>
+      </a:effectRef>
+      <a:fontRef idx="minor">
+        <a:schemeClr val="lt1"/>
+      </a:fontRef>
+    </dgm:style>
+  </dgm:styleLbl>
+  <dgm:styleLbl name="asst2">
+    <dgm:scene3d>
+      <a:camera prst="orthographicFront"/>
+      <a:lightRig rig="threePt" dir="t"/>
+    </dgm:scene3d>
+    <dgm:sp3d/>
+    <dgm:txPr/>
+    <dgm:style>
+      <a:lnRef idx="2">
+        <a:scrgbClr r="0" g="0" b="0"/>
+      </a:lnRef>
+      <a:fillRef idx="1">
+        <a:scrgbClr r="0" g="0" b="0"/>
+      </a:fillRef>
+      <a:effectRef idx="0">
+        <a:scrgbClr r="0" g="0" b="0"/>
+      </a:effectRef>
+      <a:fontRef idx="minor">
+        <a:schemeClr val="lt1"/>
+      </a:fontRef>
+    </dgm:style>
+  </dgm:styleLbl>
+  <dgm:styleLbl name="asst3">
+    <dgm:scene3d>
+      <a:camera prst="orthographicFront"/>
+      <a:lightRig rig="threePt" dir="t"/>
+    </dgm:scene3d>
+    <dgm:sp3d/>
+    <dgm:txPr/>
+    <dgm:style>
+      <a:lnRef idx="2">
+        <a:scrgbClr r="0" g="0" b="0"/>
+      </a:lnRef>
+      <a:fillRef idx="1">
+        <a:scrgbClr r="0" g="0" b="0"/>
+      </a:fillRef>
+      <a:effectRef idx="0">
+        <a:scrgbClr r="0" g="0" b="0"/>
+      </a:effectRef>
+      <a:fontRef idx="minor">
+        <a:schemeClr val="lt1"/>
+      </a:fontRef>
+    </dgm:style>
+  </dgm:styleLbl>
+  <dgm:styleLbl name="asst4">
+    <dgm:scene3d>
+      <a:camera prst="orthographicFront"/>
+      <a:lightRig rig="threePt" dir="t"/>
+    </dgm:scene3d>
+    <dgm:sp3d/>
+    <dgm:txPr/>
+    <dgm:style>
+      <a:lnRef idx="2">
+        <a:scrgbClr r="0" g="0" b="0"/>
+      </a:lnRef>
+      <a:fillRef idx="1">
+        <a:scrgbClr r="0" g="0" b="0"/>
+      </a:fillRef>
+      <a:effectRef idx="0">
+        <a:scrgbClr r="0" g="0" b="0"/>
+      </a:effectRef>
+      <a:fontRef idx="minor">
+        <a:schemeClr val="lt1"/>
+      </a:fontRef>
+    </dgm:style>
+  </dgm:styleLbl>
+  <dgm:styleLbl name="parChTrans2D1">
+    <dgm:scene3d>
+      <a:camera prst="orthographicFront"/>
+      <a:lightRig rig="threePt" dir="t"/>
+    </dgm:scene3d>
+    <dgm:sp3d/>
+    <dgm:txPr/>
+    <dgm:style>
+      <a:lnRef idx="2">
+        <a:scrgbClr r="0" g="0" b="0"/>
+      </a:lnRef>
+      <a:fillRef idx="1">
+        <a:scrgbClr r="0" g="0" b="0"/>
+      </a:fillRef>
+      <a:effectRef idx="0">
+        <a:scrgbClr r="0" g="0" b="0"/>
+      </a:effectRef>
+      <a:fontRef idx="minor">
+        <a:schemeClr val="lt1"/>
+      </a:fontRef>
+    </dgm:style>
+  </dgm:styleLbl>
+  <dgm:styleLbl name="parChTrans2D2">
+    <dgm:scene3d>
+      <a:camera prst="orthographicFront"/>
+      <a:lightRig rig="threePt" dir="t"/>
+    </dgm:scene3d>
+    <dgm:sp3d/>
+    <dgm:txPr/>
+    <dgm:style>
+      <a:lnRef idx="2">
+        <a:scrgbClr r="0" g="0" b="0"/>
+      </a:lnRef>
+      <a:fillRef idx="1">
+        <a:scrgbClr r="0" g="0" b="0"/>
+      </a:fillRef>
+      <a:effectRef idx="0">
+        <a:scrgbClr r="0" g="0" b="0"/>
+      </a:effectRef>
+      <a:fontRef idx="minor">
+        <a:schemeClr val="lt1"/>
+      </a:fontRef>
+    </dgm:style>
+  </dgm:styleLbl>
+  <dgm:styleLbl name="parChTrans2D3">
+    <dgm:scene3d>
+      <a:camera prst="orthographicFront"/>
+      <a:lightRig rig="threePt" dir="t"/>
+    </dgm:scene3d>
+    <dgm:sp3d/>
+    <dgm:txPr/>
+    <dgm:style>
+      <a:lnRef idx="2">
+        <a:scrgbClr r="0" g="0" b="0"/>
+      </a:lnRef>
+      <a:fillRef idx="1">
+        <a:scrgbClr r="0" g="0" b="0"/>
+      </a:fillRef>
+      <a:effectRef idx="0">
+        <a:scrgbClr r="0" g="0" b="0"/>
+      </a:effectRef>
+      <a:fontRef idx="minor">
+        <a:schemeClr val="lt1"/>
+      </a:fontRef>
+    </dgm:style>
+  </dgm:styleLbl>
+  <dgm:styleLbl name="parChTrans2D4">
+    <dgm:scene3d>
+      <a:camera prst="orthographicFront"/>
+      <a:lightRig rig="threePt" dir="t"/>
+    </dgm:scene3d>
+    <dgm:sp3d/>
+    <dgm:txPr/>
+    <dgm:style>
+      <a:lnRef idx="2">
+        <a:scrgbClr r="0" g="0" b="0"/>
+      </a:lnRef>
+      <a:fillRef idx="1">
+        <a:scrgbClr r="0" g="0" b="0"/>
+      </a:fillRef>
+      <a:effectRef idx="0">
+        <a:scrgbClr r="0" g="0" b="0"/>
+      </a:effectRef>
+      <a:fontRef idx="minor">
+        <a:schemeClr val="lt1"/>
+      </a:fontRef>
+    </dgm:style>
+  </dgm:styleLbl>
+  <dgm:styleLbl name="parChTrans1D1">
+    <dgm:scene3d>
+      <a:camera prst="orthographicFront"/>
+      <a:lightRig rig="threePt" dir="t"/>
+    </dgm:scene3d>
+    <dgm:sp3d/>
+    <dgm:txPr/>
+    <dgm:style>
+      <a:lnRef idx="2">
+        <a:scrgbClr r="0" g="0" b="0"/>
+      </a:lnRef>
+      <a:fillRef idx="0">
+        <a:scrgbClr r="0" g="0" b="0"/>
+      </a:fillRef>
+      <a:effectRef idx="0">
+        <a:scrgbClr r="0" g="0" b="0"/>
+      </a:effectRef>
+      <a:fontRef idx="minor"/>
+    </dgm:style>
+  </dgm:styleLbl>
+  <dgm:styleLbl name="parChTrans1D2">
+    <dgm:scene3d>
+      <a:camera prst="orthographicFront"/>
+      <a:lightRig rig="threePt" dir="t"/>
+    </dgm:scene3d>
+    <dgm:sp3d/>
+    <dgm:txPr/>
+    <dgm:style>
+      <a:lnRef idx="2">
+        <a:scrgbClr r="0" g="0" b="0"/>
+      </a:lnRef>
+      <a:fillRef idx="0">
+        <a:scrgbClr r="0" g="0" b="0"/>
+      </a:fillRef>
+      <a:effectRef idx="0">
+        <a:scrgbClr r="0" g="0" b="0"/>
+      </a:effectRef>
+      <a:fontRef idx="minor"/>
+    </dgm:style>
+  </dgm:styleLbl>
+  <dgm:styleLbl name="parChTrans1D3">
+    <dgm:scene3d>
+      <a:camera prst="orthographicFront"/>
+      <a:lightRig rig="threePt" dir="t"/>
+    </dgm:scene3d>
+    <dgm:sp3d/>
+    <dgm:txPr/>
+    <dgm:style>
+      <a:lnRef idx="2">
+        <a:scrgbClr r="0" g="0" b="0"/>
+      </a:lnRef>
+      <a:fillRef idx="0">
+        <a:scrgbClr r="0" g="0" b="0"/>
+      </a:fillRef>
+      <a:effectRef idx="0">
+        <a:scrgbClr r="0" g="0" b="0"/>
+      </a:effectRef>
+      <a:fontRef idx="minor"/>
+    </dgm:style>
+  </dgm:styleLbl>
+  <dgm:styleLbl name="parChTrans1D4">
+    <dgm:scene3d>
+      <a:camera prst="orthographicFront"/>
+      <a:lightRig rig="threePt" dir="t"/>
+    </dgm:scene3d>
+    <dgm:sp3d/>
+    <dgm:txPr/>
+    <dgm:style>
+      <a:lnRef idx="2">
+        <a:scrgbClr r="0" g="0" b="0"/>
+      </a:lnRef>
+      <a:fillRef idx="0">
+        <a:scrgbClr r="0" g="0" b="0"/>
+      </a:fillRef>
+      <a:effectRef idx="0">
+        <a:scrgbClr r="0" g="0" b="0"/>
+      </a:effectRef>
+      <a:fontRef idx="minor"/>
+    </dgm:style>
+  </dgm:styleLbl>
+  <dgm:styleLbl name="fgAcc1">
+    <dgm:scene3d>
+      <a:camera prst="orthographicFront"/>
+      <a:lightRig rig="threePt" dir="t"/>
+    </dgm:scene3d>
+    <dgm:sp3d/>
+    <dgm:txPr/>
+    <dgm:style>
+      <a:lnRef idx="2">
+        <a:scrgbClr r="0" g="0" b="0"/>
+      </a:lnRef>
+      <a:fillRef idx="1">
+        <a:scrgbClr r="0" g="0" b="0"/>
+      </a:fillRef>
+      <a:effectRef idx="0">
+        <a:scrgbClr r="0" g="0" b="0"/>
+      </a:effectRef>
+      <a:fontRef idx="minor"/>
+    </dgm:style>
+  </dgm:styleLbl>
+  <dgm:styleLbl name="conFgAcc1">
+    <dgm:scene3d>
+      <a:camera prst="orthographicFront"/>
+      <a:lightRig rig="threePt" dir="t"/>
+    </dgm:scene3d>
+    <dgm:sp3d/>
+    <dgm:txPr/>
+    <dgm:style>
+      <a:lnRef idx="2">
+        <a:scrgbClr r="0" g="0" b="0"/>
+      </a:lnRef>
+      <a:fillRef idx="1">
+        <a:scrgbClr r="0" g="0" b="0"/>
+      </a:fillRef>
+      <a:effectRef idx="0">
+        <a:scrgbClr r="0" g="0" b="0"/>
+      </a:effectRef>
+      <a:fontRef idx="minor"/>
+    </dgm:style>
+  </dgm:styleLbl>
+  <dgm:styleLbl name="alignAcc1">
+    <dgm:scene3d>
+      <a:camera prst="orthographicFront"/>
+      <a:lightRig rig="threePt" dir="t"/>
+    </dgm:scene3d>
+    <dgm:sp3d/>
+    <dgm:txPr/>
+    <dgm:style>
+      <a:lnRef idx="2">
+        <a:scrgbClr r="0" g="0" b="0"/>
+      </a:lnRef>
+      <a:fillRef idx="1">
+        <a:scrgbClr r="0" g="0" b="0"/>
+      </a:fillRef>
+      <a:effectRef idx="0">
+        <a:scrgbClr r="0" g="0" b="0"/>
+      </a:effectRef>
+      <a:fontRef idx="minor"/>
+    </dgm:style>
+  </dgm:styleLbl>
+  <dgm:styleLbl name="trAlignAcc1">
+    <dgm:scene3d>
+      <a:camera prst="orthographicFront"/>
+      <a:lightRig rig="threePt" dir="t"/>
+    </dgm:scene3d>
+    <dgm:sp3d/>
+    <dgm:txPr/>
+    <dgm:style>
+      <a:lnRef idx="1">
+        <a:scrgbClr r="0" g="0" b="0"/>
+      </a:lnRef>
+      <a:fillRef idx="1">
+        <a:scrgbClr r="0" g="0" b="0"/>
+      </a:fillRef>
+      <a:effectRef idx="0">
+        <a:scrgbClr r="0" g="0" b="0"/>
+      </a:effectRef>
+      <a:fontRef idx="minor"/>
+    </dgm:style>
+  </dgm:styleLbl>
+  <dgm:styleLbl name="bgAcc1">
+    <dgm:scene3d>
+      <a:camera prst="orthographicFront"/>
+      <a:lightRig rig="threePt" dir="t"/>
+    </dgm:scene3d>
+    <dgm:sp3d/>
+    <dgm:txPr/>
+    <dgm:style>
+      <a:lnRef idx="2">
+        <a:scrgbClr r="0" g="0" b="0"/>
+      </a:lnRef>
+      <a:fillRef idx="1">
+        <a:scrgbClr r="0" g="0" b="0"/>
+      </a:fillRef>
+      <a:effectRef idx="0">
+        <a:scrgbClr r="0" g="0" b="0"/>
+      </a:effectRef>
+      <a:fontRef idx="minor"/>
+    </dgm:style>
+  </dgm:styleLbl>
+  <dgm:styleLbl name="solidFgAcc1">
+    <dgm:scene3d>
+      <a:camera prst="orthographicFront"/>
+      <a:lightRig rig="threePt" dir="t"/>
+    </dgm:scene3d>
+    <dgm:sp3d/>
+    <dgm:txPr/>
+    <dgm:style>
+      <a:lnRef idx="2">
+        <a:scrgbClr r="0" g="0" b="0"/>
+      </a:lnRef>
+      <a:fillRef idx="1">
+        <a:scrgbClr r="0" g="0" b="0"/>
+      </a:fillRef>
+      <a:effectRef idx="0">
+        <a:scrgbClr r="0" g="0" b="0"/>
+      </a:effectRef>
+      <a:fontRef idx="minor"/>
+    </dgm:style>
+  </dgm:styleLbl>
+  <dgm:styleLbl name="solidAlignAcc1">
+    <dgm:scene3d>
+      <a:camera prst="orthographicFront"/>
+      <a:lightRig rig="threePt" dir="t"/>
+    </dgm:scene3d>
+    <dgm:sp3d/>
+    <dgm:txPr/>
+    <dgm:style>
+      <a:lnRef idx="2">
+        <a:scrgbClr r="0" g="0" b="0"/>
+      </a:lnRef>
+      <a:fillRef idx="1">
+        <a:scrgbClr r="0" g="0" b="0"/>
+      </a:fillRef>
+      <a:effectRef idx="0">
+        <a:scrgbClr r="0" g="0" b="0"/>
+      </a:effectRef>
+      <a:fontRef idx="minor"/>
+    </dgm:style>
+  </dgm:styleLbl>
+  <dgm:styleLbl name="solidBgAcc1">
+    <dgm:scene3d>
+      <a:camera prst="orthographicFront"/>
+      <a:lightRig rig="threePt" dir="t"/>
+    </dgm:scene3d>
+    <dgm:sp3d/>
+    <dgm:txPr/>
+    <dgm:style>
+      <a:lnRef idx="2">
+        <a:scrgbClr r="0" g="0" b="0"/>
+      </a:lnRef>
+      <a:fillRef idx="1">
+        <a:scrgbClr r="0" g="0" b="0"/>
+      </a:fillRef>
+      <a:effectRef idx="0">
+        <a:scrgbClr r="0" g="0" b="0"/>
+      </a:effectRef>
+      <a:fontRef idx="minor"/>
+    </dgm:style>
+  </dgm:styleLbl>
+  <dgm:styleLbl name="fgAccFollowNode1">
+    <dgm:scene3d>
+      <a:camera prst="orthographicFront"/>
+      <a:lightRig rig="threePt" dir="t"/>
+    </dgm:scene3d>
+    <dgm:sp3d/>
+    <dgm:txPr/>
+    <dgm:style>
+      <a:lnRef idx="2">
+        <a:scrgbClr r="0" g="0" b="0"/>
+      </a:lnRef>
+      <a:fillRef idx="1">
+        <a:scrgbClr r="0" g="0" b="0"/>
+      </a:fillRef>
+      <a:effectRef idx="0">
+        <a:scrgbClr r="0" g="0" b="0"/>
+      </a:effectRef>
+      <a:fontRef idx="minor"/>
+    </dgm:style>
+  </dgm:styleLbl>
+  <dgm:styleLbl name="alignAccFollowNode1">
+    <dgm:scene3d>
+      <a:camera prst="orthographicFront"/>
+      <a:lightRig rig="threePt" dir="t"/>
+    </dgm:scene3d>
+    <dgm:sp3d/>
+    <dgm:txPr/>
+    <dgm:style>
+      <a:lnRef idx="2">
+        <a:scrgbClr r="0" g="0" b="0"/>
+      </a:lnRef>
+      <a:fillRef idx="1">
+        <a:scrgbClr r="0" g="0" b="0"/>
+      </a:fillRef>
+      <a:effectRef idx="0">
+        <a:scrgbClr r="0" g="0" b="0"/>
+      </a:effectRef>
+      <a:fontRef idx="minor"/>
+    </dgm:style>
+  </dgm:styleLbl>
+  <dgm:styleLbl name="bgAccFollowNode1">
+    <dgm:scene3d>
+      <a:camera prst="orthographicFront"/>
+      <a:lightRig rig="threePt" dir="t"/>
+    </dgm:scene3d>
+    <dgm:sp3d/>
+    <dgm:txPr/>
+    <dgm:style>
+      <a:lnRef idx="2">
+        <a:scrgbClr r="0" g="0" b="0"/>
+      </a:lnRef>
+      <a:fillRef idx="1">
+        <a:scrgbClr r="0" g="0" b="0"/>
+      </a:fillRef>
+      <a:effectRef idx="0">
+        <a:scrgbClr r="0" g="0" b="0"/>
+      </a:effectRef>
+      <a:fontRef idx="minor"/>
+    </dgm:style>
+  </dgm:styleLbl>
+  <dgm:styleLbl name="fgAcc0">
+    <dgm:scene3d>
+      <a:camera prst="orthographicFront"/>
+      <a:lightRig rig="threePt" dir="t"/>
+    </dgm:scene3d>
+    <dgm:sp3d/>
+    <dgm:txPr/>
+    <dgm:style>
+      <a:lnRef idx="2">
+        <a:scrgbClr r="0" g="0" b="0"/>
+      </a:lnRef>
+      <a:fillRef idx="1">
+        <a:scrgbClr r="0" g="0" b="0"/>
+      </a:fillRef>
+      <a:effectRef idx="0">
+        <a:scrgbClr r="0" g="0" b="0"/>
+      </a:effectRef>
+      <a:fontRef idx="minor"/>
+    </dgm:style>
+  </dgm:styleLbl>
+  <dgm:styleLbl name="fgAcc2">
+    <dgm:scene3d>
+      <a:camera prst="orthographicFront"/>
+      <a:lightRig rig="threePt" dir="t"/>
+    </dgm:scene3d>
+    <dgm:sp3d/>
+    <dgm:txPr/>
+    <dgm:style>
+      <a:lnRef idx="2">
+        <a:scrgbClr r="0" g="0" b="0"/>
+      </a:lnRef>
+      <a:fillRef idx="1">
+        <a:scrgbClr r="0" g="0" b="0"/>
+      </a:fillRef>
+      <a:effectRef idx="0">
+        <a:scrgbClr r="0" g="0" b="0"/>
+      </a:effectRef>
+      <a:fontRef idx="minor"/>
+    </dgm:style>
+  </dgm:styleLbl>
+  <dgm:styleLbl name="fgAcc3">
+    <dgm:scene3d>
+      <a:camera prst="orthographicFront"/>
+      <a:lightRig rig="threePt" dir="t"/>
+    </dgm:scene3d>
+    <dgm:sp3d/>
+    <dgm:txPr/>
+    <dgm:style>
+      <a:lnRef idx="2">
+        <a:scrgbClr r="0" g="0" b="0"/>
+      </a:lnRef>
+      <a:fillRef idx="1">
+        <a:scrgbClr r="0" g="0" b="0"/>
+      </a:fillRef>
+      <a:effectRef idx="0">
+        <a:scrgbClr r="0" g="0" b="0"/>
+      </a:effectRef>
+      <a:fontRef idx="minor"/>
+    </dgm:style>
+  </dgm:styleLbl>
+  <dgm:styleLbl name="fgAcc4">
+    <dgm:scene3d>
+      <a:camera prst="orthographicFront"/>
+      <a:lightRig rig="threePt" dir="t"/>
+    </dgm:scene3d>
+    <dgm:sp3d/>
+    <dgm:txPr/>
+    <dgm:style>
+      <a:lnRef idx="2">
+        <a:scrgbClr r="0" g="0" b="0"/>
+      </a:lnRef>
+      <a:fillRef idx="1">
+        <a:scrgbClr r="0" g="0" b="0"/>
+      </a:fillRef>
+      <a:effectRef idx="0">
+        <a:scrgbClr r="0" g="0" b="0"/>
+      </a:effectRef>
+      <a:fontRef idx="minor"/>
+    </dgm:style>
+  </dgm:styleLbl>
+  <dgm:styleLbl name="bgShp">
+    <dgm:scene3d>
+      <a:camera prst="orthographicFront"/>
+      <a:lightRig rig="threePt" dir="t"/>
+    </dgm:scene3d>
+    <dgm:sp3d/>
+    <dgm:txPr/>
+    <dgm:style>
+      <a:lnRef idx="0">
+        <a:scrgbClr r="0" g="0" b="0"/>
+      </a:lnRef>
+      <a:fillRef idx="1">
+        <a:scrgbClr r="0" g="0" b="0"/>
+      </a:fillRef>
+      <a:effectRef idx="0">
+        <a:scrgbClr r="0" g="0" b="0"/>
+      </a:effectRef>
+      <a:fontRef idx="minor"/>
+    </dgm:style>
+  </dgm:styleLbl>
+  <dgm:styleLbl name="dkBgShp">
+    <dgm:scene3d>
+      <a:camera prst="orthographicFront"/>
+      <a:lightRig rig="threePt" dir="t"/>
+    </dgm:scene3d>
+    <dgm:sp3d/>
+    <dgm:txPr/>
+    <dgm:style>
+      <a:lnRef idx="0">
+        <a:scrgbClr r="0" g="0" b="0"/>
+      </a:lnRef>
+      <a:fillRef idx="1">
+        <a:scrgbClr r="0" g="0" b="0"/>
+      </a:fillRef>
+      <a:effectRef idx="0">
+        <a:scrgbClr r="0" g="0" b="0"/>
+      </a:effectRef>
+      <a:fontRef idx="minor"/>
+    </dgm:style>
+  </dgm:styleLbl>
+  <dgm:styleLbl name="trBgShp">
+    <dgm:scene3d>
+      <a:camera prst="orthographicFront"/>
+      <a:lightRig rig="threePt" dir="t"/>
+    </dgm:scene3d>
+    <dgm:sp3d/>
+    <dgm:txPr/>
+    <dgm:style>
+      <a:lnRef idx="0">
+        <a:scrgbClr r="0" g="0" b="0"/>
+      </a:lnRef>
+      <a:fillRef idx="1">
+        <a:scrgbClr r="0" g="0" b="0"/>
+      </a:fillRef>
+      <a:effectRef idx="0">
+        <a:scrgbClr r="0" g="0" b="0"/>
+      </a:effectRef>
+      <a:fontRef idx="minor"/>
+    </dgm:style>
+  </dgm:styleLbl>
+  <dgm:styleLbl name="fgShp">
+    <dgm:scene3d>
+      <a:camera prst="orthographicFront"/>
+      <a:lightRig rig="threePt" dir="t"/>
+    </dgm:scene3d>
+    <dgm:sp3d/>
+    <dgm:txPr/>
+    <dgm:style>
+      <a:lnRef idx="2">
+        <a:scrgbClr r="0" g="0" b="0"/>
+      </a:lnRef>
+      <a:fillRef idx="1">
+        <a:scrgbClr r="0" g="0" b="0"/>
+      </a:fillRef>
+      <a:effectRef idx="0">
+        <a:scrgbClr r="0" g="0" b="0"/>
+      </a:effectRef>
+      <a:fontRef idx="minor"/>
+    </dgm:style>
+  </dgm:styleLbl>
+  <dgm:styleLbl name="revTx">
+    <dgm:scene3d>
+      <a:camera prst="orthographicFront"/>
+      <a:lightRig rig="threePt" dir="t"/>
+    </dgm:scene3d>
+    <dgm:sp3d/>
+    <dgm:txPr/>
+    <dgm:style>
+      <a:lnRef idx="0">
+        <a:scrgbClr r="0" g="0" b="0"/>
+      </a:lnRef>
+      <a:fillRef idx="0">
+        <a:scrgbClr r="0" g="0" b="0"/>
+      </a:fillRef>
+      <a:effectRef idx="0">
+        <a:scrgbClr r="0" g="0" b="0"/>
+      </a:effectRef>
+      <a:fontRef idx="minor"/>
+    </dgm:style>
+  </dgm:styleLbl>
+</dgm:styleDef>
+</file>
+
+<file path=ppt/diagrams/quickStyle2.xml><?xml version="1.0" encoding="utf-8"?>
 <dgm:styleDef xmlns:dgm="http://schemas.openxmlformats.org/drawingml/2006/diagram" xmlns:a="http://schemas.openxmlformats.org/drawingml/2006/main" uniqueId="urn:microsoft.com/office/officeart/2005/8/quickstyle/simple1">
   <dgm:title val=""/>
   <dgm:desc val=""/>
@@ -3851,7 +6371,7 @@
           <a:p>
             <a:fld id="{0DC994AA-C437-4EF4-8BEF-0B832D7FA420}" type="datetimeFigureOut">
               <a:rPr lang="en-US" smtClean="0"/>
-              <a:t>8/4/2024</a:t>
+              <a:t>8/5/2024</a:t>
             </a:fld>
             <a:endParaRPr lang="en-US" dirty="0"/>
           </a:p>
@@ -4028,7 +6548,7 @@
           <a:p>
             <a:fld id="{FB20CE03-6C3A-EB4D-A9B1-7EFD38B58412}" type="datetimeFigureOut">
               <a:rPr lang="en-US" smtClean="0"/>
-              <a:t>8/4/2024</a:t>
+              <a:t>8/5/2024</a:t>
             </a:fld>
             <a:endParaRPr lang="en-US" dirty="0"/>
           </a:p>
@@ -6986,7 +9506,7 @@
           <a:p>
             <a:fld id="{D6D8061D-18C3-4F4F-85EF-561633F58754}" type="datetimeFigureOut">
               <a:rPr lang="en-US" smtClean="0"/>
-              <a:t>8/4/2024</a:t>
+              <a:t>8/5/2024</a:t>
             </a:fld>
             <a:endParaRPr lang="en-US" dirty="0"/>
           </a:p>
@@ -7672,7 +10192,7 @@
           <a:p>
             <a:fld id="{D6D8061D-18C3-4F4F-85EF-561633F58754}" type="datetimeFigureOut">
               <a:rPr lang="en-US" smtClean="0"/>
-              <a:t>8/4/2024</a:t>
+              <a:t>8/5/2024</a:t>
             </a:fld>
             <a:endParaRPr lang="en-US" dirty="0"/>
           </a:p>
@@ -7815,7 +10335,7 @@
           <a:p>
             <a:fld id="{D6D8061D-18C3-4F4F-85EF-561633F58754}" type="datetimeFigureOut">
               <a:rPr lang="en-US" smtClean="0"/>
-              <a:t>8/4/2024</a:t>
+              <a:t>8/5/2024</a:t>
             </a:fld>
             <a:endParaRPr lang="en-US" dirty="0"/>
           </a:p>
@@ -8960,7 +11480,7 @@
           <a:p>
             <a:fld id="{D6D8061D-18C3-4F4F-85EF-561633F58754}" type="datetimeFigureOut">
               <a:rPr lang="en-US" smtClean="0"/>
-              <a:t>8/4/2024</a:t>
+              <a:t>8/5/2024</a:t>
             </a:fld>
             <a:endParaRPr lang="en-US" dirty="0"/>
           </a:p>
@@ -11248,7 +13768,7 @@
           <a:p>
             <a:fld id="{D6D8061D-18C3-4F4F-85EF-561633F58754}" type="datetimeFigureOut">
               <a:rPr lang="en-US" smtClean="0"/>
-              <a:t>8/4/2024</a:t>
+              <a:t>8/5/2024</a:t>
             </a:fld>
             <a:endParaRPr lang="en-US" dirty="0"/>
           </a:p>
@@ -12518,7 +15038,7 @@
           <a:p>
             <a:fld id="{D6D8061D-18C3-4F4F-85EF-561633F58754}" type="datetimeFigureOut">
               <a:rPr lang="en-US" smtClean="0"/>
-              <a:t>8/4/2024</a:t>
+              <a:t>8/5/2024</a:t>
             </a:fld>
             <a:endParaRPr lang="en-US" dirty="0"/>
           </a:p>
@@ -13583,7 +16103,7 @@
           <a:p>
             <a:fld id="{D6D8061D-18C3-4F4F-85EF-561633F58754}" type="datetimeFigureOut">
               <a:rPr lang="en-US" smtClean="0"/>
-              <a:t>8/4/2024</a:t>
+              <a:t>8/5/2024</a:t>
             </a:fld>
             <a:endParaRPr lang="en-US" dirty="0"/>
           </a:p>
@@ -13992,7 +16512,7 @@
           <a:p>
             <a:fld id="{D6D8061D-18C3-4F4F-85EF-561633F58754}" type="datetimeFigureOut">
               <a:rPr lang="en-US" smtClean="0"/>
-              <a:t>8/4/2024</a:t>
+              <a:t>8/5/2024</a:t>
             </a:fld>
             <a:endParaRPr lang="en-US" dirty="0"/>
           </a:p>
@@ -14963,7 +17483,7 @@
           <a:p>
             <a:fld id="{D6D8061D-18C3-4F4F-85EF-561633F58754}" type="datetimeFigureOut">
               <a:rPr lang="en-US" smtClean="0"/>
-              <a:t>8/4/2024</a:t>
+              <a:t>8/5/2024</a:t>
             </a:fld>
             <a:endParaRPr lang="en-US" dirty="0"/>
           </a:p>
@@ -15204,7 +17724,7 @@
           <a:p>
             <a:fld id="{D6D8061D-18C3-4F4F-85EF-561633F58754}" type="datetimeFigureOut">
               <a:rPr lang="en-US" smtClean="0"/>
-              <a:t>8/4/2024</a:t>
+              <a:t>8/5/2024</a:t>
             </a:fld>
             <a:endParaRPr lang="en-US" dirty="0"/>
           </a:p>
@@ -16130,25 +18650,56 @@
             <a:pPr lvl="1"/>
             <a:r>
               <a:rPr lang="en-US" dirty="0" err="1"/>
-              <a:t>Pembuatan</a:t>
+              <a:t>Pengumpulan</a:t>
             </a:r>
             <a:r>
               <a:rPr lang="en-US" dirty="0"/>
-              <a:t> </a:t>
-            </a:r>
+              <a:t> data</a:t>
+            </a:r>
+          </a:p>
+          <a:p>
+            <a:pPr lvl="1"/>
             <a:r>
               <a:rPr lang="en-US" dirty="0" err="1"/>
-              <a:t>infrastruktur</a:t>
+              <a:t>Eksplorasi</a:t>
             </a:r>
             <a:r>
               <a:rPr lang="en-US" dirty="0"/>
-              <a:t> software yang </a:t>
-            </a:r>
+              <a:t> data</a:t>
+            </a:r>
+          </a:p>
+          <a:p>
+            <a:pPr lvl="1"/>
             <a:r>
               <a:rPr lang="en-US" dirty="0" err="1"/>
-              <a:t>mendukung</a:t>
-            </a:r>
-            <a:endParaRPr lang="en-US" dirty="0"/>
+              <a:t>Pemrosesan</a:t>
+            </a:r>
+            <a:r>
+              <a:rPr lang="en-US" dirty="0"/>
+              <a:t> data</a:t>
+            </a:r>
+          </a:p>
+          <a:p>
+            <a:pPr lvl="1"/>
+            <a:r>
+              <a:rPr lang="en-US" dirty="0" err="1"/>
+              <a:t>Pengembangan</a:t>
+            </a:r>
+            <a:r>
+              <a:rPr lang="en-US" dirty="0"/>
+              <a:t> model</a:t>
+            </a:r>
+          </a:p>
+          <a:p>
+            <a:pPr lvl="1"/>
+            <a:r>
+              <a:rPr lang="en-US" dirty="0" err="1"/>
+              <a:t>Optimisasi</a:t>
+            </a:r>
+            <a:r>
+              <a:rPr lang="en-US" dirty="0"/>
+              <a:t> model</a:t>
+            </a:r>
           </a:p>
         </p:txBody>
       </p:sp>
@@ -17395,20 +19946,8 @@
           <a:p>
             <a:pPr lvl="0" algn="ctr"/>
             <a:r>
-              <a:rPr lang="en-US" dirty="0" err="1"/>
-              <a:t>Topologi</a:t>
-            </a:r>
-            <a:r>
-              <a:rPr lang="en-US" dirty="0"/>
-              <a:t> </a:t>
-            </a:r>
-            <a:r>
-              <a:rPr lang="en-US" dirty="0" err="1"/>
-              <a:t>Jaringan</a:t>
-            </a:r>
-            <a:r>
-              <a:rPr lang="en-US" dirty="0"/>
-              <a:t> Transfer Data Nasional</a:t>
+              <a:rPr lang="en-US"/>
+              <a:t>Topologi Jaringan Transfer Data Nasional</a:t>
             </a:r>
             <a:endParaRPr lang="en-ID" dirty="0"/>
           </a:p>
@@ -17416,7 +19955,7 @@
       </p:sp>
       <p:pic>
         <p:nvPicPr>
-          <p:cNvPr id="9" name="Picture 8" descr="A diagram of a computer server&#10;&#10;Description automatically generated with medium confidence">
+          <p:cNvPr id="9" name="Picture 8">
             <a:extLst>
               <a:ext uri="{FF2B5EF4-FFF2-40B4-BE49-F238E27FC236}">
                 <a16:creationId xmlns:a16="http://schemas.microsoft.com/office/drawing/2014/main" id="{7BE418A8-CFB8-5E09-F08A-23F52362B9E7}"/>
@@ -17436,14 +19975,13 @@
               </a:ext>
             </a:extLst>
           </a:blip>
-          <a:stretch>
-            <a:fillRect/>
-          </a:stretch>
+          <a:srcRect/>
+          <a:stretch/>
         </p:blipFill>
         <p:spPr>
           <a:xfrm>
-            <a:off x="1884847" y="1458740"/>
-            <a:ext cx="8422305" cy="5158753"/>
+            <a:off x="1932410" y="1458740"/>
+            <a:ext cx="8327178" cy="5158753"/>
           </a:xfrm>
           <a:prstGeom prst="rect">
             <a:avLst/>
@@ -17532,6 +20070,34 @@
           </a:p>
         </p:txBody>
       </p:sp>
+      <p:graphicFrame>
+        <p:nvGraphicFramePr>
+          <p:cNvPr id="3" name="Diagram 2">
+            <a:extLst>
+              <a:ext uri="{FF2B5EF4-FFF2-40B4-BE49-F238E27FC236}">
+                <a16:creationId xmlns:a16="http://schemas.microsoft.com/office/drawing/2014/main" id="{BE6A4892-4EFD-1894-E84A-ED636BB941F8}"/>
+              </a:ext>
+            </a:extLst>
+          </p:cNvPr>
+          <p:cNvGraphicFramePr/>
+          <p:nvPr>
+            <p:extLst>
+              <p:ext uri="{D42A27DB-BD31-4B8C-83A1-F6EECF244321}">
+                <p14:modId xmlns:p14="http://schemas.microsoft.com/office/powerpoint/2010/main" val="331365173"/>
+              </p:ext>
+            </p:extLst>
+          </p:nvPr>
+        </p:nvGraphicFramePr>
+        <p:xfrm>
+          <a:off x="2032000" y="719666"/>
+          <a:ext cx="8128000" cy="5418667"/>
+        </p:xfrm>
+        <a:graphic>
+          <a:graphicData uri="http://schemas.openxmlformats.org/drawingml/2006/diagram">
+            <dgm:relIds xmlns:dgm="http://schemas.openxmlformats.org/drawingml/2006/diagram" xmlns:r="http://schemas.openxmlformats.org/officeDocument/2006/relationships" r:dm="rId3" r:lo="rId4" r:qs="rId5" r:cs="rId6"/>
+          </a:graphicData>
+        </a:graphic>
+      </p:graphicFrame>
     </p:spTree>
     <p:extLst>
       <p:ext uri="{BB962C8B-B14F-4D97-AF65-F5344CB8AC3E}">
@@ -18377,6 +20943,15 @@
 </file>
 
 <file path=customXml/item1.xml><?xml version="1.0" encoding="utf-8"?>
+<?mso-contentType ?>
+<FormTemplates xmlns="http://schemas.microsoft.com/sharepoint/v3/contenttype/forms">
+  <Display>DocumentLibraryForm</Display>
+  <Edit>DocumentLibraryForm</Edit>
+  <New>DocumentLibraryForm</New>
+</FormTemplates>
+</file>
+
+<file path=customXml/item2.xml><?xml version="1.0" encoding="utf-8"?>
 <p:properties xmlns:p="http://schemas.microsoft.com/office/2006/metadata/properties" xmlns:xsi="http://www.w3.org/2001/XMLSchema-instance" xmlns:pc="http://schemas.microsoft.com/office/infopath/2007/PartnerControls">
   <documentManagement>
     <_ip_UnifiedCompliancePolicyUIAction xmlns="http://schemas.microsoft.com/sharepoint/v3" xsi:nil="true"/>
@@ -18394,15 +20969,6 @@
     <MediaServiceKeyPoints xmlns="71af3243-3dd4-4a8d-8c0d-dd76da1f02a5" xsi:nil="true"/>
   </documentManagement>
 </p:properties>
-</file>
-
-<file path=customXml/item2.xml><?xml version="1.0" encoding="utf-8"?>
-<?mso-contentType ?>
-<FormTemplates xmlns="http://schemas.microsoft.com/sharepoint/v3/contenttype/forms">
-  <Display>DocumentLibraryForm</Display>
-  <Edit>DocumentLibraryForm</Edit>
-  <New>DocumentLibraryForm</New>
-</FormTemplates>
 </file>
 
 <file path=customXml/item3.xml><?xml version="1.0" encoding="utf-8"?>
@@ -18718,6 +21284,14 @@
 </file>
 
 <file path=customXml/itemProps1.xml><?xml version="1.0" encoding="utf-8"?>
+<ds:datastoreItem xmlns:ds="http://schemas.openxmlformats.org/officeDocument/2006/customXml" ds:itemID="{4E60708A-6461-4D7F-883F-7E25D731D326}">
+  <ds:schemaRefs>
+    <ds:schemaRef ds:uri="http://schemas.microsoft.com/sharepoint/v3/contenttype/forms"/>
+  </ds:schemaRefs>
+</ds:datastoreItem>
+</file>
+
+<file path=customXml/itemProps2.xml><?xml version="1.0" encoding="utf-8"?>
 <ds:datastoreItem xmlns:ds="http://schemas.openxmlformats.org/officeDocument/2006/customXml" ds:itemID="{E130005B-6102-4F3C-A26F-485DF1BF9717}">
   <ds:schemaRefs>
     <ds:schemaRef ds:uri="http://schemas.microsoft.com/office/2006/metadata/properties"/>
@@ -18725,14 +21299,6 @@
     <ds:schemaRef ds:uri="http://schemas.microsoft.com/sharepoint/v3"/>
     <ds:schemaRef ds:uri="71af3243-3dd4-4a8d-8c0d-dd76da1f02a5"/>
     <ds:schemaRef ds:uri="230e9df3-be65-4c73-a93b-d1236ebd677e"/>
-  </ds:schemaRefs>
-</ds:datastoreItem>
-</file>
-
-<file path=customXml/itemProps2.xml><?xml version="1.0" encoding="utf-8"?>
-<ds:datastoreItem xmlns:ds="http://schemas.openxmlformats.org/officeDocument/2006/customXml" ds:itemID="{4E60708A-6461-4D7F-883F-7E25D731D326}">
-  <ds:schemaRefs>
-    <ds:schemaRef ds:uri="http://schemas.microsoft.com/sharepoint/v3/contenttype/forms"/>
   </ds:schemaRefs>
 </ds:datastoreItem>
 </file>
